--- a/李东洋_数据挖掘PPT.pptx
+++ b/李东洋_数据挖掘PPT.pptx
@@ -5,32 +5,32 @@
     <p:sldMasterId id="2147483648" r:id="rId1"/>
   </p:sldMasterIdLst>
   <p:notesMasterIdLst>
-    <p:notesMasterId r:id="rId17"/>
+    <p:notesMasterId r:id="rId4"/>
   </p:notesMasterIdLst>
   <p:handoutMasterIdLst>
-    <p:handoutMasterId r:id="rId18"/>
+    <p:handoutMasterId r:id="rId19"/>
   </p:handoutMasterIdLst>
   <p:sldIdLst>
-    <p:sldId id="270" r:id="rId2"/>
-    <p:sldId id="307" r:id="rId3"/>
-    <p:sldId id="306" r:id="rId4"/>
-    <p:sldId id="333" r:id="rId5"/>
-    <p:sldId id="334" r:id="rId6"/>
-    <p:sldId id="325" r:id="rId7"/>
-    <p:sldId id="341" r:id="rId8"/>
-    <p:sldId id="342" r:id="rId9"/>
-    <p:sldId id="343" r:id="rId10"/>
-    <p:sldId id="344" r:id="rId11"/>
-    <p:sldId id="345" r:id="rId12"/>
-    <p:sldId id="351" r:id="rId13"/>
-    <p:sldId id="350" r:id="rId14"/>
-    <p:sldId id="349" r:id="rId15"/>
-    <p:sldId id="303" r:id="rId16"/>
+    <p:sldId id="270" r:id="rId3"/>
+    <p:sldId id="307" r:id="rId5"/>
+    <p:sldId id="306" r:id="rId6"/>
+    <p:sldId id="333" r:id="rId7"/>
+    <p:sldId id="334" r:id="rId8"/>
+    <p:sldId id="325" r:id="rId9"/>
+    <p:sldId id="341" r:id="rId10"/>
+    <p:sldId id="342" r:id="rId11"/>
+    <p:sldId id="343" r:id="rId12"/>
+    <p:sldId id="344" r:id="rId13"/>
+    <p:sldId id="345" r:id="rId14"/>
+    <p:sldId id="351" r:id="rId15"/>
+    <p:sldId id="350" r:id="rId16"/>
+    <p:sldId id="349" r:id="rId17"/>
+    <p:sldId id="303" r:id="rId18"/>
   </p:sldIdLst>
   <p:sldSz cx="12192000" cy="6858000"/>
   <p:notesSz cx="6858000" cy="9144000"/>
   <p:custDataLst>
-    <p:tags r:id="rId19"/>
+    <p:tags r:id="rId23"/>
   </p:custDataLst>
   <p:defaultTextStyle>
     <a:defPPr>
@@ -127,6 +127,22 @@
       </a:defRPr>
     </a:lvl9pPr>
   </p:defaultTextStyle>
+  <p:extLst>
+    <p:ext uri="{EFAFB233-063F-42B5-8137-9DF3F51BA10A}">
+      <p15:sldGuideLst xmlns:p15="http://schemas.microsoft.com/office/powerpoint/2012/main">
+        <p15:guide id="1" orient="horz" pos="2160" userDrawn="1">
+          <p15:clr>
+            <a:srgbClr val="A4A3A4"/>
+          </p15:clr>
+        </p15:guide>
+        <p15:guide id="2" pos="3840" userDrawn="1">
+          <p15:clr>
+            <a:srgbClr val="A4A3A4"/>
+          </p15:clr>
+        </p15:guide>
+      </p15:sldGuideLst>
+    </p:ext>
+  </p:extLst>
 </p:presentation>
 </file>
 
@@ -212,7 +228,6 @@
           <a:p>
             <a:fld id="{D5A89449-E6E4-448B-BA9D-A2235EE27B02}" type="datetimeFigureOut">
               <a:rPr lang="zh-CN" altLang="en-US" smtClean="0"/>
-              <a:t>2024/4/2</a:t>
             </a:fld>
             <a:endParaRPr lang="zh-CN" altLang="en-US"/>
           </a:p>
@@ -278,18 +293,12 @@
           <a:p>
             <a:fld id="{210B1927-16CA-4E7F-9830-5D858EC9BD4E}" type="slidenum">
               <a:rPr lang="zh-CN" altLang="en-US" smtClean="0"/>
-              <a:t>‹#›</a:t>
             </a:fld>
             <a:endParaRPr lang="zh-CN" altLang="en-US"/>
           </a:p>
         </p:txBody>
       </p:sp>
     </p:spTree>
-    <p:extLst>
-      <p:ext uri="{BB962C8B-B14F-4D97-AF65-F5344CB8AC3E}">
-        <p14:creationId xmlns:p14="http://schemas.microsoft.com/office/powerpoint/2010/main" val="1994719044"/>
-      </p:ext>
-    </p:extLst>
   </p:cSld>
   <p:clrMap bg1="lt1" tx1="dk1" bg2="lt2" tx2="dk2" accent1="accent1" accent2="accent2" accent3="accent3" accent4="accent4" accent5="accent5" accent6="accent6" hlink="hlink" folHlink="folHlink"/>
 </p:handoutMaster>
@@ -377,7 +386,6 @@
           <a:p>
             <a:fld id="{D2A48B96-639E-45A3-A0BA-2464DFDB1FAA}" type="datetimeFigureOut">
               <a:rPr lang="zh-CN" altLang="en-US" smtClean="0"/>
-              <a:t>2024/4/2</a:t>
             </a:fld>
             <a:endParaRPr lang="zh-CN" altLang="en-US"/>
           </a:p>
@@ -444,6 +452,7 @@
               <a:rPr lang="zh-CN" altLang="en-US" smtClean="0"/>
               <a:t>单击此处编辑母版文本样式</a:t>
             </a:r>
+            <a:endParaRPr lang="zh-CN" altLang="en-US" smtClean="0"/>
           </a:p>
           <a:p>
             <a:pPr lvl="1"/>
@@ -451,6 +460,7 @@
               <a:rPr lang="zh-CN" altLang="en-US" smtClean="0"/>
               <a:t>第二级</a:t>
             </a:r>
+            <a:endParaRPr lang="zh-CN" altLang="en-US" smtClean="0"/>
           </a:p>
           <a:p>
             <a:pPr lvl="2"/>
@@ -458,6 +468,7 @@
               <a:rPr lang="zh-CN" altLang="en-US" smtClean="0"/>
               <a:t>第三级</a:t>
             </a:r>
+            <a:endParaRPr lang="zh-CN" altLang="en-US" smtClean="0"/>
           </a:p>
           <a:p>
             <a:pPr lvl="3"/>
@@ -465,6 +476,7 @@
               <a:rPr lang="zh-CN" altLang="en-US" smtClean="0"/>
               <a:t>第四级</a:t>
             </a:r>
+            <a:endParaRPr lang="zh-CN" altLang="en-US" smtClean="0"/>
           </a:p>
           <a:p>
             <a:pPr lvl="4"/>
@@ -536,18 +548,12 @@
           <a:p>
             <a:fld id="{A6837353-30EB-4A48-80EB-173D804AEFBD}" type="slidenum">
               <a:rPr lang="zh-CN" altLang="en-US" smtClean="0"/>
-              <a:t>‹#›</a:t>
             </a:fld>
             <a:endParaRPr lang="zh-CN" altLang="en-US"/>
           </a:p>
         </p:txBody>
       </p:sp>
     </p:spTree>
-    <p:extLst>
-      <p:ext uri="{BB962C8B-B14F-4D97-AF65-F5344CB8AC3E}">
-        <p14:creationId xmlns:p14="http://schemas.microsoft.com/office/powerpoint/2010/main" val="396302644"/>
-      </p:ext>
-    </p:extLst>
   </p:cSld>
   <p:clrMap bg1="lt1" tx1="dk1" bg2="lt2" tx2="dk2" accent1="accent1" accent2="accent2" accent3="accent3" accent4="accent4" accent5="accent5" accent6="accent6" hlink="hlink" folHlink="folHlink"/>
   <p:notesStyle>
@@ -957,6 +963,7 @@
               <a:rPr lang="zh-CN" altLang="en-US" dirty="0"/>
               <a:t>中的偏置项，并帮助模型准确地捕获图中的空间依赖性。</a:t>
             </a:r>
+            <a:endParaRPr lang="zh-CN" altLang="en-US" dirty="0"/>
           </a:p>
         </p:txBody>
       </p:sp>
@@ -1262,18 +1269,12 @@
           <a:p>
             <a:fld id="{A6837353-30EB-4A48-80EB-173D804AEFBD}" type="slidenum">
               <a:rPr lang="zh-CN" altLang="en-US" smtClean="0"/>
-              <a:t>15</a:t>
             </a:fld>
             <a:endParaRPr lang="zh-CN" altLang="en-US"/>
           </a:p>
         </p:txBody>
       </p:sp>
     </p:spTree>
-    <p:extLst>
-      <p:ext uri="{BB962C8B-B14F-4D97-AF65-F5344CB8AC3E}">
-        <p14:creationId xmlns:p14="http://schemas.microsoft.com/office/powerpoint/2010/main" val="2379034288"/>
-      </p:ext>
-    </p:extLst>
   </p:cSld>
   <p:clrMapOvr>
     <a:masterClrMapping/>
@@ -1860,7 +1861,6 @@
           <a:p>
             <a:fld id="{D997B5FA-0921-464F-AAE1-844C04324D75}" type="datetimeFigureOut">
               <a:rPr lang="zh-CN" altLang="en-US" smtClean="0"/>
-              <a:t>2024/4/2</a:t>
             </a:fld>
             <a:endParaRPr lang="zh-CN" altLang="en-US"/>
           </a:p>
@@ -1902,7 +1902,6 @@
           <a:p>
             <a:fld id="{565CE74E-AB26-4998-AD42-012C4C1AD076}" type="slidenum">
               <a:rPr lang="zh-CN" altLang="en-US" smtClean="0"/>
-              <a:t>‹#›</a:t>
             </a:fld>
             <a:endParaRPr lang="zh-CN" altLang="en-US"/>
           </a:p>
@@ -1976,6 +1975,7 @@
               <a:rPr lang="zh-CN" altLang="en-US" smtClean="0"/>
               <a:t>单击此处编辑母版文本样式</a:t>
             </a:r>
+            <a:endParaRPr lang="zh-CN" altLang="en-US" smtClean="0"/>
           </a:p>
           <a:p>
             <a:pPr lvl="1"/>
@@ -1983,6 +1983,7 @@
               <a:rPr lang="zh-CN" altLang="en-US" smtClean="0"/>
               <a:t>第二级</a:t>
             </a:r>
+            <a:endParaRPr lang="zh-CN" altLang="en-US" smtClean="0"/>
           </a:p>
           <a:p>
             <a:pPr lvl="2"/>
@@ -1990,6 +1991,7 @@
               <a:rPr lang="zh-CN" altLang="en-US" smtClean="0"/>
               <a:t>第三级</a:t>
             </a:r>
+            <a:endParaRPr lang="zh-CN" altLang="en-US" smtClean="0"/>
           </a:p>
           <a:p>
             <a:pPr lvl="3"/>
@@ -1997,6 +1999,7 @@
               <a:rPr lang="zh-CN" altLang="en-US" smtClean="0"/>
               <a:t>第四级</a:t>
             </a:r>
+            <a:endParaRPr lang="zh-CN" altLang="en-US" smtClean="0"/>
           </a:p>
           <a:p>
             <a:pPr lvl="4"/>
@@ -2025,7 +2028,6 @@
           <a:p>
             <a:fld id="{D997B5FA-0921-464F-AAE1-844C04324D75}" type="datetimeFigureOut">
               <a:rPr lang="zh-CN" altLang="en-US" smtClean="0"/>
-              <a:t>2024/4/2</a:t>
             </a:fld>
             <a:endParaRPr lang="zh-CN" altLang="en-US"/>
           </a:p>
@@ -2067,7 +2069,6 @@
           <a:p>
             <a:fld id="{565CE74E-AB26-4998-AD42-012C4C1AD076}" type="slidenum">
               <a:rPr lang="zh-CN" altLang="en-US" smtClean="0"/>
-              <a:t>‹#›</a:t>
             </a:fld>
             <a:endParaRPr lang="zh-CN" altLang="en-US"/>
           </a:p>
@@ -2151,6 +2152,7 @@
               <a:rPr lang="zh-CN" altLang="en-US" smtClean="0"/>
               <a:t>单击此处编辑母版文本样式</a:t>
             </a:r>
+            <a:endParaRPr lang="zh-CN" altLang="en-US" smtClean="0"/>
           </a:p>
           <a:p>
             <a:pPr lvl="1"/>
@@ -2158,6 +2160,7 @@
               <a:rPr lang="zh-CN" altLang="en-US" smtClean="0"/>
               <a:t>第二级</a:t>
             </a:r>
+            <a:endParaRPr lang="zh-CN" altLang="en-US" smtClean="0"/>
           </a:p>
           <a:p>
             <a:pPr lvl="2"/>
@@ -2165,6 +2168,7 @@
               <a:rPr lang="zh-CN" altLang="en-US" smtClean="0"/>
               <a:t>第三级</a:t>
             </a:r>
+            <a:endParaRPr lang="zh-CN" altLang="en-US" smtClean="0"/>
           </a:p>
           <a:p>
             <a:pPr lvl="3"/>
@@ -2172,6 +2176,7 @@
               <a:rPr lang="zh-CN" altLang="en-US" smtClean="0"/>
               <a:t>第四级</a:t>
             </a:r>
+            <a:endParaRPr lang="zh-CN" altLang="en-US" smtClean="0"/>
           </a:p>
           <a:p>
             <a:pPr lvl="4"/>
@@ -2200,7 +2205,6 @@
           <a:p>
             <a:fld id="{D997B5FA-0921-464F-AAE1-844C04324D75}" type="datetimeFigureOut">
               <a:rPr lang="zh-CN" altLang="en-US" smtClean="0"/>
-              <a:t>2024/4/2</a:t>
             </a:fld>
             <a:endParaRPr lang="zh-CN" altLang="en-US"/>
           </a:p>
@@ -2242,7 +2246,6 @@
           <a:p>
             <a:fld id="{565CE74E-AB26-4998-AD42-012C4C1AD076}" type="slidenum">
               <a:rPr lang="zh-CN" altLang="en-US" smtClean="0"/>
-              <a:t>‹#›</a:t>
             </a:fld>
             <a:endParaRPr lang="zh-CN" altLang="en-US"/>
           </a:p>
@@ -2316,6 +2319,7 @@
               <a:rPr lang="zh-CN" altLang="en-US" smtClean="0"/>
               <a:t>单击此处编辑母版文本样式</a:t>
             </a:r>
+            <a:endParaRPr lang="zh-CN" altLang="en-US" smtClean="0"/>
           </a:p>
           <a:p>
             <a:pPr lvl="1"/>
@@ -2323,6 +2327,7 @@
               <a:rPr lang="zh-CN" altLang="en-US" smtClean="0"/>
               <a:t>第二级</a:t>
             </a:r>
+            <a:endParaRPr lang="zh-CN" altLang="en-US" smtClean="0"/>
           </a:p>
           <a:p>
             <a:pPr lvl="2"/>
@@ -2330,6 +2335,7 @@
               <a:rPr lang="zh-CN" altLang="en-US" smtClean="0"/>
               <a:t>第三级</a:t>
             </a:r>
+            <a:endParaRPr lang="zh-CN" altLang="en-US" smtClean="0"/>
           </a:p>
           <a:p>
             <a:pPr lvl="3"/>
@@ -2337,6 +2343,7 @@
               <a:rPr lang="zh-CN" altLang="en-US" smtClean="0"/>
               <a:t>第四级</a:t>
             </a:r>
+            <a:endParaRPr lang="zh-CN" altLang="en-US" smtClean="0"/>
           </a:p>
           <a:p>
             <a:pPr lvl="4"/>
@@ -2365,7 +2372,6 @@
           <a:p>
             <a:fld id="{D997B5FA-0921-464F-AAE1-844C04324D75}" type="datetimeFigureOut">
               <a:rPr lang="zh-CN" altLang="en-US" smtClean="0"/>
-              <a:t>2024/4/2</a:t>
             </a:fld>
             <a:endParaRPr lang="zh-CN" altLang="en-US"/>
           </a:p>
@@ -2407,7 +2413,6 @@
           <a:p>
             <a:fld id="{565CE74E-AB26-4998-AD42-012C4C1AD076}" type="slidenum">
               <a:rPr lang="zh-CN" altLang="en-US" smtClean="0"/>
-              <a:t>‹#›</a:t>
             </a:fld>
             <a:endParaRPr lang="zh-CN" altLang="en-US"/>
           </a:p>
@@ -2586,6 +2591,7 @@
               <a:rPr lang="zh-CN" altLang="en-US" smtClean="0"/>
               <a:t>单击此处编辑母版文本样式</a:t>
             </a:r>
+            <a:endParaRPr lang="zh-CN" altLang="en-US" smtClean="0"/>
           </a:p>
         </p:txBody>
       </p:sp>
@@ -2606,7 +2612,6 @@
           <a:p>
             <a:fld id="{D997B5FA-0921-464F-AAE1-844C04324D75}" type="datetimeFigureOut">
               <a:rPr lang="zh-CN" altLang="en-US" smtClean="0"/>
-              <a:t>2024/4/2</a:t>
             </a:fld>
             <a:endParaRPr lang="zh-CN" altLang="en-US"/>
           </a:p>
@@ -2648,7 +2653,6 @@
           <a:p>
             <a:fld id="{565CE74E-AB26-4998-AD42-012C4C1AD076}" type="slidenum">
               <a:rPr lang="zh-CN" altLang="en-US" smtClean="0"/>
-              <a:t>‹#›</a:t>
             </a:fld>
             <a:endParaRPr lang="zh-CN" altLang="en-US"/>
           </a:p>
@@ -2727,6 +2731,7 @@
               <a:rPr lang="zh-CN" altLang="en-US" smtClean="0"/>
               <a:t>单击此处编辑母版文本样式</a:t>
             </a:r>
+            <a:endParaRPr lang="zh-CN" altLang="en-US" smtClean="0"/>
           </a:p>
           <a:p>
             <a:pPr lvl="1"/>
@@ -2734,6 +2739,7 @@
               <a:rPr lang="zh-CN" altLang="en-US" smtClean="0"/>
               <a:t>第二级</a:t>
             </a:r>
+            <a:endParaRPr lang="zh-CN" altLang="en-US" smtClean="0"/>
           </a:p>
           <a:p>
             <a:pPr lvl="2"/>
@@ -2741,6 +2747,7 @@
               <a:rPr lang="zh-CN" altLang="en-US" smtClean="0"/>
               <a:t>第三级</a:t>
             </a:r>
+            <a:endParaRPr lang="zh-CN" altLang="en-US" smtClean="0"/>
           </a:p>
           <a:p>
             <a:pPr lvl="3"/>
@@ -2748,6 +2755,7 @@
               <a:rPr lang="zh-CN" altLang="en-US" smtClean="0"/>
               <a:t>第四级</a:t>
             </a:r>
+            <a:endParaRPr lang="zh-CN" altLang="en-US" smtClean="0"/>
           </a:p>
           <a:p>
             <a:pPr lvl="4"/>
@@ -2784,6 +2792,7 @@
               <a:rPr lang="zh-CN" altLang="en-US" smtClean="0"/>
               <a:t>单击此处编辑母版文本样式</a:t>
             </a:r>
+            <a:endParaRPr lang="zh-CN" altLang="en-US" smtClean="0"/>
           </a:p>
           <a:p>
             <a:pPr lvl="1"/>
@@ -2791,6 +2800,7 @@
               <a:rPr lang="zh-CN" altLang="en-US" smtClean="0"/>
               <a:t>第二级</a:t>
             </a:r>
+            <a:endParaRPr lang="zh-CN" altLang="en-US" smtClean="0"/>
           </a:p>
           <a:p>
             <a:pPr lvl="2"/>
@@ -2798,6 +2808,7 @@
               <a:rPr lang="zh-CN" altLang="en-US" smtClean="0"/>
               <a:t>第三级</a:t>
             </a:r>
+            <a:endParaRPr lang="zh-CN" altLang="en-US" smtClean="0"/>
           </a:p>
           <a:p>
             <a:pPr lvl="3"/>
@@ -2805,6 +2816,7 @@
               <a:rPr lang="zh-CN" altLang="en-US" smtClean="0"/>
               <a:t>第四级</a:t>
             </a:r>
+            <a:endParaRPr lang="zh-CN" altLang="en-US" smtClean="0"/>
           </a:p>
           <a:p>
             <a:pPr lvl="4"/>
@@ -2833,7 +2845,6 @@
           <a:p>
             <a:fld id="{D997B5FA-0921-464F-AAE1-844C04324D75}" type="datetimeFigureOut">
               <a:rPr lang="zh-CN" altLang="en-US" smtClean="0"/>
-              <a:t>2024/4/2</a:t>
             </a:fld>
             <a:endParaRPr lang="zh-CN" altLang="en-US"/>
           </a:p>
@@ -2875,7 +2886,6 @@
           <a:p>
             <a:fld id="{565CE74E-AB26-4998-AD42-012C4C1AD076}" type="slidenum">
               <a:rPr lang="zh-CN" altLang="en-US" smtClean="0"/>
-              <a:t>‹#›</a:t>
             </a:fld>
             <a:endParaRPr lang="zh-CN" altLang="en-US"/>
           </a:p>
@@ -2996,6 +3006,7 @@
               <a:rPr lang="zh-CN" altLang="en-US" smtClean="0"/>
               <a:t>单击此处编辑母版文本样式</a:t>
             </a:r>
+            <a:endParaRPr lang="zh-CN" altLang="en-US" smtClean="0"/>
           </a:p>
         </p:txBody>
       </p:sp>
@@ -3024,6 +3035,7 @@
               <a:rPr lang="zh-CN" altLang="en-US" smtClean="0"/>
               <a:t>单击此处编辑母版文本样式</a:t>
             </a:r>
+            <a:endParaRPr lang="zh-CN" altLang="en-US" smtClean="0"/>
           </a:p>
           <a:p>
             <a:pPr lvl="1"/>
@@ -3031,6 +3043,7 @@
               <a:rPr lang="zh-CN" altLang="en-US" smtClean="0"/>
               <a:t>第二级</a:t>
             </a:r>
+            <a:endParaRPr lang="zh-CN" altLang="en-US" smtClean="0"/>
           </a:p>
           <a:p>
             <a:pPr lvl="2"/>
@@ -3038,6 +3051,7 @@
               <a:rPr lang="zh-CN" altLang="en-US" smtClean="0"/>
               <a:t>第三级</a:t>
             </a:r>
+            <a:endParaRPr lang="zh-CN" altLang="en-US" smtClean="0"/>
           </a:p>
           <a:p>
             <a:pPr lvl="3"/>
@@ -3045,6 +3059,7 @@
               <a:rPr lang="zh-CN" altLang="en-US" smtClean="0"/>
               <a:t>第四级</a:t>
             </a:r>
+            <a:endParaRPr lang="zh-CN" altLang="en-US" smtClean="0"/>
           </a:p>
           <a:p>
             <a:pPr lvl="4"/>
@@ -3118,6 +3133,7 @@
               <a:rPr lang="zh-CN" altLang="en-US" smtClean="0"/>
               <a:t>单击此处编辑母版文本样式</a:t>
             </a:r>
+            <a:endParaRPr lang="zh-CN" altLang="en-US" smtClean="0"/>
           </a:p>
         </p:txBody>
       </p:sp>
@@ -3146,6 +3162,7 @@
               <a:rPr lang="zh-CN" altLang="en-US" smtClean="0"/>
               <a:t>单击此处编辑母版文本样式</a:t>
             </a:r>
+            <a:endParaRPr lang="zh-CN" altLang="en-US" smtClean="0"/>
           </a:p>
           <a:p>
             <a:pPr lvl="1"/>
@@ -3153,6 +3170,7 @@
               <a:rPr lang="zh-CN" altLang="en-US" smtClean="0"/>
               <a:t>第二级</a:t>
             </a:r>
+            <a:endParaRPr lang="zh-CN" altLang="en-US" smtClean="0"/>
           </a:p>
           <a:p>
             <a:pPr lvl="2"/>
@@ -3160,6 +3178,7 @@
               <a:rPr lang="zh-CN" altLang="en-US" smtClean="0"/>
               <a:t>第三级</a:t>
             </a:r>
+            <a:endParaRPr lang="zh-CN" altLang="en-US" smtClean="0"/>
           </a:p>
           <a:p>
             <a:pPr lvl="3"/>
@@ -3167,6 +3186,7 @@
               <a:rPr lang="zh-CN" altLang="en-US" smtClean="0"/>
               <a:t>第四级</a:t>
             </a:r>
+            <a:endParaRPr lang="zh-CN" altLang="en-US" smtClean="0"/>
           </a:p>
           <a:p>
             <a:pPr lvl="4"/>
@@ -3195,7 +3215,6 @@
           <a:p>
             <a:fld id="{D997B5FA-0921-464F-AAE1-844C04324D75}" type="datetimeFigureOut">
               <a:rPr lang="zh-CN" altLang="en-US" smtClean="0"/>
-              <a:t>2024/4/2</a:t>
             </a:fld>
             <a:endParaRPr lang="zh-CN" altLang="en-US"/>
           </a:p>
@@ -3237,7 +3256,6 @@
           <a:p>
             <a:fld id="{565CE74E-AB26-4998-AD42-012C4C1AD076}" type="slidenum">
               <a:rPr lang="zh-CN" altLang="en-US" smtClean="0"/>
-              <a:t>‹#›</a:t>
             </a:fld>
             <a:endParaRPr lang="zh-CN" altLang="en-US"/>
           </a:p>
@@ -3308,7 +3326,6 @@
           <a:p>
             <a:fld id="{D997B5FA-0921-464F-AAE1-844C04324D75}" type="datetimeFigureOut">
               <a:rPr lang="zh-CN" altLang="en-US" smtClean="0"/>
-              <a:t>2024/4/2</a:t>
             </a:fld>
             <a:endParaRPr lang="zh-CN" altLang="en-US"/>
           </a:p>
@@ -3350,7 +3367,6 @@
           <a:p>
             <a:fld id="{565CE74E-AB26-4998-AD42-012C4C1AD076}" type="slidenum">
               <a:rPr lang="zh-CN" altLang="en-US" smtClean="0"/>
-              <a:t>‹#›</a:t>
             </a:fld>
             <a:endParaRPr lang="zh-CN" altLang="en-US"/>
           </a:p>
@@ -3398,7 +3414,6 @@
           <a:p>
             <a:fld id="{D997B5FA-0921-464F-AAE1-844C04324D75}" type="datetimeFigureOut">
               <a:rPr lang="zh-CN" altLang="en-US" smtClean="0"/>
-              <a:t>2024/4/2</a:t>
             </a:fld>
             <a:endParaRPr lang="zh-CN" altLang="en-US"/>
           </a:p>
@@ -3440,7 +3455,6 @@
           <a:p>
             <a:fld id="{565CE74E-AB26-4998-AD42-012C4C1AD076}" type="slidenum">
               <a:rPr lang="zh-CN" altLang="en-US" smtClean="0"/>
-              <a:t>‹#›</a:t>
             </a:fld>
             <a:endParaRPr lang="zh-CN" altLang="en-US"/>
           </a:p>
@@ -3556,6 +3570,7 @@
               <a:rPr lang="zh-CN" altLang="en-US" smtClean="0"/>
               <a:t>单击此处编辑母版文本样式</a:t>
             </a:r>
+            <a:endParaRPr lang="zh-CN" altLang="en-US" smtClean="0"/>
           </a:p>
           <a:p>
             <a:pPr lvl="1"/>
@@ -3563,6 +3578,7 @@
               <a:rPr lang="zh-CN" altLang="en-US" smtClean="0"/>
               <a:t>第二级</a:t>
             </a:r>
+            <a:endParaRPr lang="zh-CN" altLang="en-US" smtClean="0"/>
           </a:p>
           <a:p>
             <a:pPr lvl="2"/>
@@ -3570,6 +3586,7 @@
               <a:rPr lang="zh-CN" altLang="en-US" smtClean="0"/>
               <a:t>第三级</a:t>
             </a:r>
+            <a:endParaRPr lang="zh-CN" altLang="en-US" smtClean="0"/>
           </a:p>
           <a:p>
             <a:pPr lvl="3"/>
@@ -3577,6 +3594,7 @@
               <a:rPr lang="zh-CN" altLang="en-US" smtClean="0"/>
               <a:t>第四级</a:t>
             </a:r>
+            <a:endParaRPr lang="zh-CN" altLang="en-US" smtClean="0"/>
           </a:p>
           <a:p>
             <a:pPr lvl="4"/>
@@ -3650,6 +3668,7 @@
               <a:rPr lang="zh-CN" altLang="en-US" smtClean="0"/>
               <a:t>单击此处编辑母版文本样式</a:t>
             </a:r>
+            <a:endParaRPr lang="zh-CN" altLang="en-US" smtClean="0"/>
           </a:p>
         </p:txBody>
       </p:sp>
@@ -3670,7 +3689,6 @@
           <a:p>
             <a:fld id="{D997B5FA-0921-464F-AAE1-844C04324D75}" type="datetimeFigureOut">
               <a:rPr lang="zh-CN" altLang="en-US" smtClean="0"/>
-              <a:t>2024/4/2</a:t>
             </a:fld>
             <a:endParaRPr lang="zh-CN" altLang="en-US"/>
           </a:p>
@@ -3712,7 +3730,6 @@
           <a:p>
             <a:fld id="{565CE74E-AB26-4998-AD42-012C4C1AD076}" type="slidenum">
               <a:rPr lang="zh-CN" altLang="en-US" smtClean="0"/>
-              <a:t>‹#›</a:t>
             </a:fld>
             <a:endParaRPr lang="zh-CN" altLang="en-US"/>
           </a:p>
@@ -3898,6 +3915,7 @@
               <a:rPr lang="zh-CN" altLang="en-US" smtClean="0"/>
               <a:t>单击此处编辑母版文本样式</a:t>
             </a:r>
+            <a:endParaRPr lang="zh-CN" altLang="en-US" smtClean="0"/>
           </a:p>
         </p:txBody>
       </p:sp>
@@ -3918,7 +3936,6 @@
           <a:p>
             <a:fld id="{D997B5FA-0921-464F-AAE1-844C04324D75}" type="datetimeFigureOut">
               <a:rPr lang="zh-CN" altLang="en-US" smtClean="0"/>
-              <a:t>2024/4/2</a:t>
             </a:fld>
             <a:endParaRPr lang="zh-CN" altLang="en-US"/>
           </a:p>
@@ -3960,7 +3977,6 @@
           <a:p>
             <a:fld id="{565CE74E-AB26-4998-AD42-012C4C1AD076}" type="slidenum">
               <a:rPr lang="zh-CN" altLang="en-US" smtClean="0"/>
-              <a:t>‹#›</a:t>
             </a:fld>
             <a:endParaRPr lang="zh-CN" altLang="en-US"/>
           </a:p>
@@ -4059,6 +4075,7 @@
               <a:rPr lang="zh-CN" altLang="en-US" smtClean="0"/>
               <a:t>单击此处编辑母版文本样式</a:t>
             </a:r>
+            <a:endParaRPr lang="zh-CN" altLang="en-US" smtClean="0"/>
           </a:p>
           <a:p>
             <a:pPr lvl="1"/>
@@ -4066,6 +4083,7 @@
               <a:rPr lang="zh-CN" altLang="en-US" smtClean="0"/>
               <a:t>第二级</a:t>
             </a:r>
+            <a:endParaRPr lang="zh-CN" altLang="en-US" smtClean="0"/>
           </a:p>
           <a:p>
             <a:pPr lvl="2"/>
@@ -4073,6 +4091,7 @@
               <a:rPr lang="zh-CN" altLang="en-US" smtClean="0"/>
               <a:t>第三级</a:t>
             </a:r>
+            <a:endParaRPr lang="zh-CN" altLang="en-US" smtClean="0"/>
           </a:p>
           <a:p>
             <a:pPr lvl="3"/>
@@ -4080,6 +4099,7 @@
               <a:rPr lang="zh-CN" altLang="en-US" smtClean="0"/>
               <a:t>第四级</a:t>
             </a:r>
+            <a:endParaRPr lang="zh-CN" altLang="en-US" smtClean="0"/>
           </a:p>
           <a:p>
             <a:pPr lvl="4"/>
@@ -4126,7 +4146,6 @@
           <a:p>
             <a:fld id="{D997B5FA-0921-464F-AAE1-844C04324D75}" type="datetimeFigureOut">
               <a:rPr lang="zh-CN" altLang="en-US" smtClean="0"/>
-              <a:t>2024/4/2</a:t>
             </a:fld>
             <a:endParaRPr lang="zh-CN" altLang="en-US"/>
           </a:p>
@@ -4204,7 +4223,6 @@
           <a:p>
             <a:fld id="{565CE74E-AB26-4998-AD42-012C4C1AD076}" type="slidenum">
               <a:rPr lang="zh-CN" altLang="en-US" smtClean="0"/>
-              <a:t>‹#›</a:t>
             </a:fld>
             <a:endParaRPr lang="zh-CN" altLang="en-US"/>
           </a:p>
@@ -4535,7 +4553,7 @@
           <p:nvPr userDrawn="1"/>
         </p:nvPicPr>
         <p:blipFill>
-          <a:blip r:embed="rId4">
+          <a:blip r:embed="rId1">
             <a:clrChange>
               <a:clrFrom>
                 <a:srgbClr val="FFFFFF"/>
@@ -4632,7 +4650,7 @@
           <p:nvPr userDrawn="1"/>
         </p:nvPicPr>
         <p:blipFill>
-          <a:blip r:embed="rId5"/>
+          <a:blip r:embed="rId2"/>
           <a:srcRect l="2008" t="2362" r="2410" b="2078"/>
           <a:stretch>
             <a:fillRect/>
@@ -4696,7 +4714,7 @@
           <p:nvPr>
             <p:ph type="sldNum" sz="quarter" idx="12"/>
             <p:custDataLst>
-              <p:tags r:id="rId1"/>
+              <p:tags r:id="rId3"/>
             </p:custDataLst>
           </p:nvPr>
         </p:nvSpPr>
@@ -4712,7 +4730,6 @@
           <a:p>
             <a:fld id="{565CE74E-AB26-4998-AD42-012C4C1AD076}" type="slidenum">
               <a:rPr lang="zh-CN" altLang="en-US" sz="1600" b="1" smtClean="0"/>
-              <a:t>1</a:t>
             </a:fld>
             <a:endParaRPr lang="zh-CN" altLang="en-US" sz="1600" b="1"/>
           </a:p>
@@ -4842,7 +4859,7 @@
           <p:nvPr userDrawn="1"/>
         </p:nvPicPr>
         <p:blipFill>
-          <a:blip r:embed="rId3">
+          <a:blip r:embed="rId1">
             <a:clrChange>
               <a:clrFrom>
                 <a:srgbClr val="FFFFFF"/>
@@ -4939,7 +4956,7 @@
           <p:nvPr userDrawn="1"/>
         </p:nvPicPr>
         <p:blipFill>
-          <a:blip r:embed="rId4"/>
+          <a:blip r:embed="rId2"/>
           <a:srcRect l="2008" t="2362" r="2410" b="2078"/>
           <a:stretch>
             <a:fillRect/>
@@ -5004,6 +5021,7 @@
               <a:rPr lang="zh-CN" altLang="en-US" b="1" dirty="0" smtClean="0"/>
               <a:t>、编码介绍</a:t>
             </a:r>
+            <a:endParaRPr lang="zh-CN" altLang="en-US" b="1" dirty="0" smtClean="0"/>
           </a:p>
           <a:p>
             <a:pPr indent="457200">
@@ -5083,6 +5101,7 @@
               <a:rPr lang="en-US" altLang="zh-CN" b="1" dirty="0" smtClean="0"/>
               <a:t>）</a:t>
             </a:r>
+            <a:endParaRPr lang="en-US" altLang="zh-CN" b="1" dirty="0" smtClean="0"/>
           </a:p>
           <a:p>
             <a:pPr indent="457200">
@@ -5110,6 +5129,7 @@
               <a:rPr lang="en-US" altLang="zh-CN" b="1" dirty="0" smtClean="0"/>
               <a:t>）</a:t>
             </a:r>
+            <a:endParaRPr lang="en-US" altLang="zh-CN" b="1" dirty="0" smtClean="0"/>
           </a:p>
           <a:p>
             <a:pPr indent="457200">
@@ -5129,6 +5149,7 @@
               <a:rPr lang="en-US" altLang="zh-CN" b="1" dirty="0"/>
               <a:t>）</a:t>
             </a:r>
+            <a:endParaRPr lang="en-US" altLang="zh-CN" b="1" dirty="0"/>
           </a:p>
           <a:p>
             <a:pPr indent="457200">
@@ -5141,11 +5162,6 @@
         </p:txBody>
       </p:sp>
     </p:spTree>
-    <p:extLst>
-      <p:ext uri="{BB962C8B-B14F-4D97-AF65-F5344CB8AC3E}">
-        <p14:creationId xmlns:p14="http://schemas.microsoft.com/office/powerpoint/2010/main" val="64908180"/>
-      </p:ext>
-    </p:extLst>
   </p:cSld>
   <p:clrMapOvr>
     <a:masterClrMapping/>
@@ -5186,7 +5202,7 @@
           <p:nvPr userDrawn="1"/>
         </p:nvPicPr>
         <p:blipFill>
-          <a:blip r:embed="rId3">
+          <a:blip r:embed="rId1">
             <a:clrChange>
               <a:clrFrom>
                 <a:srgbClr val="FFFFFF"/>
@@ -5283,7 +5299,7 @@
           <p:nvPr userDrawn="1"/>
         </p:nvPicPr>
         <p:blipFill>
-          <a:blip r:embed="rId4"/>
+          <a:blip r:embed="rId2"/>
           <a:srcRect l="2008" t="2362" r="2410" b="2078"/>
           <a:stretch>
             <a:fillRect/>
@@ -5347,10 +5363,6 @@
             <a:r>
               <a:rPr lang="zh-CN" altLang="en-US" b="1" dirty="0" smtClean="0"/>
               <a:t>、编码介绍</a:t>
-            </a:r>
-            <a:r>
-              <a:rPr lang="en-US" altLang="zh-CN" b="1" dirty="0" smtClean="0"/>
-              <a:t/>
             </a:r>
             <a:br>
               <a:rPr lang="en-US" altLang="zh-CN" b="1" dirty="0" smtClean="0"/>
@@ -5368,7 +5380,7 @@
           <p:nvPr/>
         </p:nvPicPr>
         <p:blipFill>
-          <a:blip r:embed="rId5">
+          <a:blip r:embed="rId3">
             <a:extLst>
               <a:ext uri="{28A0092B-C50C-407E-A947-70E740481C1C}">
                 <a14:useLocalDpi xmlns:a14="http://schemas.microsoft.com/office/drawing/2010/main" val="0"/>
@@ -5422,7 +5434,7 @@
           <p:nvPr/>
         </p:nvPicPr>
         <p:blipFill>
-          <a:blip r:embed="rId6">
+          <a:blip r:embed="rId4">
             <a:extLst>
               <a:ext uri="{28A0092B-C50C-407E-A947-70E740481C1C}">
                 <a14:useLocalDpi xmlns:a14="http://schemas.microsoft.com/office/drawing/2010/main" val="0"/>
@@ -5517,15 +5529,15 @@
               </a:rPr>
               <a:t>）</a:t>
             </a:r>
+            <a:endParaRPr lang="en-US" altLang="zh-CN" b="1" dirty="0">
+              <a:solidFill>
+                <a:srgbClr val="FF0000"/>
+              </a:solidFill>
+            </a:endParaRPr>
           </a:p>
         </p:txBody>
       </p:sp>
     </p:spTree>
-    <p:extLst>
-      <p:ext uri="{BB962C8B-B14F-4D97-AF65-F5344CB8AC3E}">
-        <p14:creationId xmlns:p14="http://schemas.microsoft.com/office/powerpoint/2010/main" val="1985309884"/>
-      </p:ext>
-    </p:extLst>
   </p:cSld>
   <p:clrMapOvr>
     <a:masterClrMapping/>
@@ -5566,7 +5578,7 @@
           <p:nvPr userDrawn="1"/>
         </p:nvPicPr>
         <p:blipFill>
-          <a:blip r:embed="rId3">
+          <a:blip r:embed="rId1">
             <a:clrChange>
               <a:clrFrom>
                 <a:srgbClr val="FFFFFF"/>
@@ -5663,7 +5675,7 @@
           <p:nvPr userDrawn="1"/>
         </p:nvPicPr>
         <p:blipFill>
-          <a:blip r:embed="rId4"/>
+          <a:blip r:embed="rId2"/>
           <a:srcRect l="2008" t="2362" r="2410" b="2078"/>
           <a:stretch>
             <a:fillRect/>
@@ -5728,10 +5740,6 @@
               <a:rPr lang="zh-CN" altLang="en-US" b="1" dirty="0" smtClean="0"/>
               <a:t>、编码介绍</a:t>
             </a:r>
-            <a:r>
-              <a:rPr lang="en-US" altLang="zh-CN" b="1" dirty="0" smtClean="0"/>
-              <a:t/>
-            </a:r>
             <a:br>
               <a:rPr lang="en-US" altLang="zh-CN" b="1" dirty="0" smtClean="0"/>
             </a:br>
@@ -5742,6 +5750,222 @@
       <p:pic>
         <p:nvPicPr>
           <p:cNvPr id="6146" name="Picture 2"/>
+          <p:cNvPicPr>
+            <a:picLocks noChangeAspect="1" noChangeArrowheads="1"/>
+          </p:cNvPicPr>
+          <p:nvPr/>
+        </p:nvPicPr>
+        <p:blipFill>
+          <a:blip r:embed="rId3">
+            <a:extLst>
+              <a:ext uri="{28A0092B-C50C-407E-A947-70E740481C1C}">
+                <a14:useLocalDpi xmlns:a14="http://schemas.microsoft.com/office/drawing/2010/main" val="0"/>
+              </a:ext>
+            </a:extLst>
+          </a:blip>
+          <a:srcRect/>
+          <a:stretch>
+            <a:fillRect/>
+          </a:stretch>
+        </p:blipFill>
+        <p:spPr bwMode="auto">
+          <a:xfrm>
+            <a:off x="680720" y="1764035"/>
+            <a:ext cx="5426075" cy="3878263"/>
+          </a:xfrm>
+          <a:prstGeom prst="rect">
+            <a:avLst/>
+          </a:prstGeom>
+          <a:noFill/>
+          <a:ln>
+            <a:noFill/>
+          </a:ln>
+          <a:extLst>
+            <a:ext uri="{909E8E84-426E-40DD-AFC4-6F175D3DCCD1}">
+              <a14:hiddenFill xmlns:a14="http://schemas.microsoft.com/office/drawing/2010/main">
+                <a:solidFill>
+                  <a:schemeClr val="accent1"/>
+                </a:solidFill>
+              </a14:hiddenFill>
+            </a:ext>
+            <a:ext uri="{91240B29-F687-4F45-9708-019B960494DF}">
+              <a14:hiddenLine xmlns:a14="http://schemas.microsoft.com/office/drawing/2010/main" w="9525">
+                <a:solidFill>
+                  <a:schemeClr val="tx1"/>
+                </a:solidFill>
+                <a:miter lim="800000"/>
+                <a:headEnd/>
+                <a:tailEnd/>
+              </a14:hiddenLine>
+            </a:ext>
+          </a:extLst>
+        </p:spPr>
+      </p:pic>
+      <p:pic>
+        <p:nvPicPr>
+          <p:cNvPr id="6148" name="Picture 4"/>
+          <p:cNvPicPr>
+            <a:picLocks noChangeAspect="1" noChangeArrowheads="1"/>
+          </p:cNvPicPr>
+          <p:nvPr/>
+        </p:nvPicPr>
+        <p:blipFill>
+          <a:blip r:embed="rId4">
+            <a:extLst>
+              <a:ext uri="{28A0092B-C50C-407E-A947-70E740481C1C}">
+                <a14:useLocalDpi xmlns:a14="http://schemas.microsoft.com/office/drawing/2010/main" val="0"/>
+              </a:ext>
+            </a:extLst>
+          </a:blip>
+          <a:srcRect/>
+          <a:stretch>
+            <a:fillRect/>
+          </a:stretch>
+        </p:blipFill>
+        <p:spPr bwMode="auto">
+          <a:xfrm>
+            <a:off x="6568624" y="2333647"/>
+            <a:ext cx="3278762" cy="516082"/>
+          </a:xfrm>
+          <a:prstGeom prst="rect">
+            <a:avLst/>
+          </a:prstGeom>
+          <a:noFill/>
+          <a:ln>
+            <a:noFill/>
+          </a:ln>
+          <a:extLst>
+            <a:ext uri="{909E8E84-426E-40DD-AFC4-6F175D3DCCD1}">
+              <a14:hiddenFill xmlns:a14="http://schemas.microsoft.com/office/drawing/2010/main">
+                <a:solidFill>
+                  <a:schemeClr val="accent1"/>
+                </a:solidFill>
+              </a14:hiddenFill>
+            </a:ext>
+            <a:ext uri="{91240B29-F687-4F45-9708-019B960494DF}">
+              <a14:hiddenLine xmlns:a14="http://schemas.microsoft.com/office/drawing/2010/main" w="9525">
+                <a:solidFill>
+                  <a:schemeClr val="tx1"/>
+                </a:solidFill>
+                <a:miter lim="800000"/>
+                <a:headEnd/>
+                <a:tailEnd/>
+              </a14:hiddenLine>
+            </a:ext>
+          </a:extLst>
+        </p:spPr>
+      </p:pic>
+      <p:sp>
+        <p:nvSpPr>
+          <p:cNvPr id="7" name="矩形 6"/>
+          <p:cNvSpPr/>
+          <p:nvPr/>
+        </p:nvSpPr>
+        <p:spPr>
+          <a:xfrm>
+            <a:off x="5917348" y="1788792"/>
+            <a:ext cx="4372992" cy="463588"/>
+          </a:xfrm>
+          <a:prstGeom prst="rect">
+            <a:avLst/>
+          </a:prstGeom>
+        </p:spPr>
+        <p:txBody>
+          <a:bodyPr wrap="none">
+            <a:spAutoFit/>
+          </a:bodyPr>
+          <a:lstStyle/>
+          <a:p>
+            <a:pPr indent="457200">
+              <a:lnSpc>
+                <a:spcPct val="150000"/>
+              </a:lnSpc>
+            </a:pPr>
+            <a:r>
+              <a:rPr lang="en-US" altLang="zh-CN" b="1" dirty="0"/>
+              <a:t>(1)Centrality Encoding（</a:t>
+            </a:r>
+            <a:r>
+              <a:rPr lang="zh-CN" altLang="en-US" dirty="0"/>
+              <a:t>中心性编码</a:t>
+            </a:r>
+            <a:r>
+              <a:rPr lang="en-US" altLang="zh-CN" b="1" dirty="0"/>
+              <a:t>）</a:t>
+            </a:r>
+            <a:endParaRPr lang="en-US" altLang="zh-CN" b="1" dirty="0"/>
+          </a:p>
+        </p:txBody>
+      </p:sp>
+      <p:sp>
+        <p:nvSpPr>
+          <p:cNvPr id="13" name="矩形 12"/>
+          <p:cNvSpPr/>
+          <p:nvPr/>
+        </p:nvSpPr>
+        <p:spPr>
+          <a:xfrm>
+            <a:off x="5917348" y="3003729"/>
+            <a:ext cx="3914790" cy="463588"/>
+          </a:xfrm>
+          <a:prstGeom prst="rect">
+            <a:avLst/>
+          </a:prstGeom>
+        </p:spPr>
+        <p:txBody>
+          <a:bodyPr wrap="none">
+            <a:spAutoFit/>
+          </a:bodyPr>
+          <a:lstStyle/>
+          <a:p>
+            <a:pPr indent="457200">
+              <a:lnSpc>
+                <a:spcPct val="150000"/>
+              </a:lnSpc>
+            </a:pPr>
+            <a:r>
+              <a:rPr lang="en-US" altLang="zh-CN" b="1" dirty="0" smtClean="0">
+                <a:solidFill>
+                  <a:srgbClr val="FF0000"/>
+                </a:solidFill>
+              </a:rPr>
+              <a:t>(</a:t>
+            </a:r>
+            <a:r>
+              <a:rPr lang="en-US" altLang="zh-CN" b="1" dirty="0">
+                <a:solidFill>
+                  <a:srgbClr val="FF0000"/>
+                </a:solidFill>
+              </a:rPr>
+              <a:t>2) Spatial Encoding（</a:t>
+            </a:r>
+            <a:r>
+              <a:rPr lang="zh-CN" altLang="en-US" dirty="0">
+                <a:solidFill>
+                  <a:srgbClr val="FF0000"/>
+                </a:solidFill>
+              </a:rPr>
+              <a:t>空间编码</a:t>
+            </a:r>
+            <a:r>
+              <a:rPr lang="en-US" altLang="zh-CN" b="1" dirty="0" smtClean="0">
+                <a:solidFill>
+                  <a:srgbClr val="FF0000"/>
+                </a:solidFill>
+              </a:rPr>
+              <a:t>）</a:t>
+            </a:r>
+            <a:endParaRPr lang="en-US" altLang="zh-CN" b="1" dirty="0">
+              <a:solidFill>
+                <a:srgbClr val="FF0000"/>
+              </a:solidFill>
+            </a:endParaRPr>
+          </a:p>
+        </p:txBody>
+      </p:sp>
+      <p:pic>
+        <p:nvPicPr>
+          <p:cNvPr id="6149" name="Picture 5"/>
           <p:cNvPicPr>
             <a:picLocks noChangeAspect="1" noChangeArrowheads="1"/>
           </p:cNvPicPr>
@@ -5762,8 +5986,8 @@
         </p:blipFill>
         <p:spPr bwMode="auto">
           <a:xfrm>
-            <a:off x="680720" y="1764035"/>
-            <a:ext cx="5426075" cy="3878263"/>
+            <a:off x="6693478" y="3511560"/>
+            <a:ext cx="2628900" cy="517525"/>
           </a:xfrm>
           <a:prstGeom prst="rect">
             <a:avLst/>
@@ -5793,227 +6017,7 @@
           </a:extLst>
         </p:spPr>
       </p:pic>
-      <p:pic>
-        <p:nvPicPr>
-          <p:cNvPr id="6148" name="Picture 4"/>
-          <p:cNvPicPr>
-            <a:picLocks noChangeAspect="1" noChangeArrowheads="1"/>
-          </p:cNvPicPr>
-          <p:nvPr/>
-        </p:nvPicPr>
-        <p:blipFill>
-          <a:blip r:embed="rId6">
-            <a:extLst>
-              <a:ext uri="{28A0092B-C50C-407E-A947-70E740481C1C}">
-                <a14:useLocalDpi xmlns:a14="http://schemas.microsoft.com/office/drawing/2010/main" val="0"/>
-              </a:ext>
-            </a:extLst>
-          </a:blip>
-          <a:srcRect/>
-          <a:stretch>
-            <a:fillRect/>
-          </a:stretch>
-        </p:blipFill>
-        <p:spPr bwMode="auto">
-          <a:xfrm>
-            <a:off x="6568624" y="2333647"/>
-            <a:ext cx="3278762" cy="516082"/>
-          </a:xfrm>
-          <a:prstGeom prst="rect">
-            <a:avLst/>
-          </a:prstGeom>
-          <a:noFill/>
-          <a:ln>
-            <a:noFill/>
-          </a:ln>
-          <a:extLst>
-            <a:ext uri="{909E8E84-426E-40DD-AFC4-6F175D3DCCD1}">
-              <a14:hiddenFill xmlns:a14="http://schemas.microsoft.com/office/drawing/2010/main">
-                <a:solidFill>
-                  <a:schemeClr val="accent1"/>
-                </a:solidFill>
-              </a14:hiddenFill>
-            </a:ext>
-            <a:ext uri="{91240B29-F687-4F45-9708-019B960494DF}">
-              <a14:hiddenLine xmlns:a14="http://schemas.microsoft.com/office/drawing/2010/main" w="9525">
-                <a:solidFill>
-                  <a:schemeClr val="tx1"/>
-                </a:solidFill>
-                <a:miter lim="800000"/>
-                <a:headEnd/>
-                <a:tailEnd/>
-              </a14:hiddenLine>
-            </a:ext>
-          </a:extLst>
-        </p:spPr>
-      </p:pic>
-      <p:sp>
-        <p:nvSpPr>
-          <p:cNvPr id="7" name="矩形 6"/>
-          <p:cNvSpPr/>
-          <p:nvPr/>
-        </p:nvSpPr>
-        <p:spPr>
-          <a:xfrm>
-            <a:off x="5917348" y="1788792"/>
-            <a:ext cx="4372992" cy="463588"/>
-          </a:xfrm>
-          <a:prstGeom prst="rect">
-            <a:avLst/>
-          </a:prstGeom>
-        </p:spPr>
-        <p:txBody>
-          <a:bodyPr wrap="none">
-            <a:spAutoFit/>
-          </a:bodyPr>
-          <a:lstStyle/>
-          <a:p>
-            <a:pPr indent="457200">
-              <a:lnSpc>
-                <a:spcPct val="150000"/>
-              </a:lnSpc>
-            </a:pPr>
-            <a:r>
-              <a:rPr lang="en-US" altLang="zh-CN" b="1" dirty="0"/>
-              <a:t>(1)Centrality Encoding（</a:t>
-            </a:r>
-            <a:r>
-              <a:rPr lang="zh-CN" altLang="en-US" dirty="0"/>
-              <a:t>中心性编码</a:t>
-            </a:r>
-            <a:r>
-              <a:rPr lang="en-US" altLang="zh-CN" b="1" dirty="0"/>
-              <a:t>）</a:t>
-            </a:r>
-          </a:p>
-        </p:txBody>
-      </p:sp>
-      <p:sp>
-        <p:nvSpPr>
-          <p:cNvPr id="13" name="矩形 12"/>
-          <p:cNvSpPr/>
-          <p:nvPr/>
-        </p:nvSpPr>
-        <p:spPr>
-          <a:xfrm>
-            <a:off x="5917348" y="3003729"/>
-            <a:ext cx="3914790" cy="463588"/>
-          </a:xfrm>
-          <a:prstGeom prst="rect">
-            <a:avLst/>
-          </a:prstGeom>
-        </p:spPr>
-        <p:txBody>
-          <a:bodyPr wrap="none">
-            <a:spAutoFit/>
-          </a:bodyPr>
-          <a:lstStyle/>
-          <a:p>
-            <a:pPr indent="457200">
-              <a:lnSpc>
-                <a:spcPct val="150000"/>
-              </a:lnSpc>
-            </a:pPr>
-            <a:r>
-              <a:rPr lang="en-US" altLang="zh-CN" b="1" dirty="0" smtClean="0">
-                <a:solidFill>
-                  <a:srgbClr val="FF0000"/>
-                </a:solidFill>
-              </a:rPr>
-              <a:t>(</a:t>
-            </a:r>
-            <a:r>
-              <a:rPr lang="en-US" altLang="zh-CN" b="1" dirty="0">
-                <a:solidFill>
-                  <a:srgbClr val="FF0000"/>
-                </a:solidFill>
-              </a:rPr>
-              <a:t>2) Spatial Encoding（</a:t>
-            </a:r>
-            <a:r>
-              <a:rPr lang="zh-CN" altLang="en-US" dirty="0">
-                <a:solidFill>
-                  <a:srgbClr val="FF0000"/>
-                </a:solidFill>
-              </a:rPr>
-              <a:t>空间编码</a:t>
-            </a:r>
-            <a:r>
-              <a:rPr lang="en-US" altLang="zh-CN" b="1" dirty="0" smtClean="0">
-                <a:solidFill>
-                  <a:srgbClr val="FF0000"/>
-                </a:solidFill>
-              </a:rPr>
-              <a:t>）</a:t>
-            </a:r>
-            <a:endParaRPr lang="en-US" altLang="zh-CN" b="1" dirty="0">
-              <a:solidFill>
-                <a:srgbClr val="FF0000"/>
-              </a:solidFill>
-            </a:endParaRPr>
-          </a:p>
-        </p:txBody>
-      </p:sp>
-      <p:pic>
-        <p:nvPicPr>
-          <p:cNvPr id="6149" name="Picture 5"/>
-          <p:cNvPicPr>
-            <a:picLocks noChangeAspect="1" noChangeArrowheads="1"/>
-          </p:cNvPicPr>
-          <p:nvPr/>
-        </p:nvPicPr>
-        <p:blipFill>
-          <a:blip r:embed="rId7">
-            <a:extLst>
-              <a:ext uri="{28A0092B-C50C-407E-A947-70E740481C1C}">
-                <a14:useLocalDpi xmlns:a14="http://schemas.microsoft.com/office/drawing/2010/main" val="0"/>
-              </a:ext>
-            </a:extLst>
-          </a:blip>
-          <a:srcRect/>
-          <a:stretch>
-            <a:fillRect/>
-          </a:stretch>
-        </p:blipFill>
-        <p:spPr bwMode="auto">
-          <a:xfrm>
-            <a:off x="6693478" y="3511560"/>
-            <a:ext cx="2628900" cy="517525"/>
-          </a:xfrm>
-          <a:prstGeom prst="rect">
-            <a:avLst/>
-          </a:prstGeom>
-          <a:noFill/>
-          <a:ln>
-            <a:noFill/>
-          </a:ln>
-          <a:extLst>
-            <a:ext uri="{909E8E84-426E-40DD-AFC4-6F175D3DCCD1}">
-              <a14:hiddenFill xmlns:a14="http://schemas.microsoft.com/office/drawing/2010/main">
-                <a:solidFill>
-                  <a:schemeClr val="accent1"/>
-                </a:solidFill>
-              </a14:hiddenFill>
-            </a:ext>
-            <a:ext uri="{91240B29-F687-4F45-9708-019B960494DF}">
-              <a14:hiddenLine xmlns:a14="http://schemas.microsoft.com/office/drawing/2010/main" w="9525">
-                <a:solidFill>
-                  <a:schemeClr val="tx1"/>
-                </a:solidFill>
-                <a:miter lim="800000"/>
-                <a:headEnd/>
-                <a:tailEnd/>
-              </a14:hiddenLine>
-            </a:ext>
-          </a:extLst>
-        </p:spPr>
-      </p:pic>
     </p:spTree>
-    <p:extLst>
-      <p:ext uri="{BB962C8B-B14F-4D97-AF65-F5344CB8AC3E}">
-        <p14:creationId xmlns:p14="http://schemas.microsoft.com/office/powerpoint/2010/main" val="3590528589"/>
-      </p:ext>
-    </p:extLst>
   </p:cSld>
   <p:clrMapOvr>
     <a:masterClrMapping/>
@@ -6054,7 +6058,7 @@
           <p:nvPr userDrawn="1"/>
         </p:nvPicPr>
         <p:blipFill>
-          <a:blip r:embed="rId3">
+          <a:blip r:embed="rId1">
             <a:clrChange>
               <a:clrFrom>
                 <a:srgbClr val="FFFFFF"/>
@@ -6151,7 +6155,7 @@
           <p:nvPr userDrawn="1"/>
         </p:nvPicPr>
         <p:blipFill>
-          <a:blip r:embed="rId4"/>
+          <a:blip r:embed="rId2"/>
           <a:srcRect l="2008" t="2362" r="2410" b="2078"/>
           <a:stretch>
             <a:fillRect/>
@@ -6216,10 +6220,6 @@
               <a:rPr lang="zh-CN" altLang="en-US" b="1" dirty="0" smtClean="0"/>
               <a:t>、编码介绍</a:t>
             </a:r>
-            <a:r>
-              <a:rPr lang="en-US" altLang="zh-CN" b="1" dirty="0" smtClean="0"/>
-              <a:t/>
-            </a:r>
             <a:br>
               <a:rPr lang="en-US" altLang="zh-CN" b="1" dirty="0" smtClean="0"/>
             </a:br>
@@ -6230,6 +6230,202 @@
       <p:pic>
         <p:nvPicPr>
           <p:cNvPr id="6146" name="Picture 2"/>
+          <p:cNvPicPr>
+            <a:picLocks noChangeAspect="1" noChangeArrowheads="1"/>
+          </p:cNvPicPr>
+          <p:nvPr/>
+        </p:nvPicPr>
+        <p:blipFill>
+          <a:blip r:embed="rId3">
+            <a:extLst>
+              <a:ext uri="{28A0092B-C50C-407E-A947-70E740481C1C}">
+                <a14:useLocalDpi xmlns:a14="http://schemas.microsoft.com/office/drawing/2010/main" val="0"/>
+              </a:ext>
+            </a:extLst>
+          </a:blip>
+          <a:srcRect/>
+          <a:stretch>
+            <a:fillRect/>
+          </a:stretch>
+        </p:blipFill>
+        <p:spPr bwMode="auto">
+          <a:xfrm>
+            <a:off x="680720" y="1764035"/>
+            <a:ext cx="5426075" cy="3878263"/>
+          </a:xfrm>
+          <a:prstGeom prst="rect">
+            <a:avLst/>
+          </a:prstGeom>
+          <a:noFill/>
+          <a:ln>
+            <a:noFill/>
+          </a:ln>
+          <a:extLst>
+            <a:ext uri="{909E8E84-426E-40DD-AFC4-6F175D3DCCD1}">
+              <a14:hiddenFill xmlns:a14="http://schemas.microsoft.com/office/drawing/2010/main">
+                <a:solidFill>
+                  <a:schemeClr val="accent1"/>
+                </a:solidFill>
+              </a14:hiddenFill>
+            </a:ext>
+            <a:ext uri="{91240B29-F687-4F45-9708-019B960494DF}">
+              <a14:hiddenLine xmlns:a14="http://schemas.microsoft.com/office/drawing/2010/main" w="9525">
+                <a:solidFill>
+                  <a:schemeClr val="tx1"/>
+                </a:solidFill>
+                <a:miter lim="800000"/>
+                <a:headEnd/>
+                <a:tailEnd/>
+              </a14:hiddenLine>
+            </a:ext>
+          </a:extLst>
+        </p:spPr>
+      </p:pic>
+      <p:pic>
+        <p:nvPicPr>
+          <p:cNvPr id="6148" name="Picture 4"/>
+          <p:cNvPicPr>
+            <a:picLocks noChangeAspect="1" noChangeArrowheads="1"/>
+          </p:cNvPicPr>
+          <p:nvPr/>
+        </p:nvPicPr>
+        <p:blipFill>
+          <a:blip r:embed="rId4">
+            <a:extLst>
+              <a:ext uri="{28A0092B-C50C-407E-A947-70E740481C1C}">
+                <a14:useLocalDpi xmlns:a14="http://schemas.microsoft.com/office/drawing/2010/main" val="0"/>
+              </a:ext>
+            </a:extLst>
+          </a:blip>
+          <a:srcRect/>
+          <a:stretch>
+            <a:fillRect/>
+          </a:stretch>
+        </p:blipFill>
+        <p:spPr bwMode="auto">
+          <a:xfrm>
+            <a:off x="6568624" y="2333647"/>
+            <a:ext cx="3278762" cy="516082"/>
+          </a:xfrm>
+          <a:prstGeom prst="rect">
+            <a:avLst/>
+          </a:prstGeom>
+          <a:noFill/>
+          <a:ln>
+            <a:noFill/>
+          </a:ln>
+          <a:extLst>
+            <a:ext uri="{909E8E84-426E-40DD-AFC4-6F175D3DCCD1}">
+              <a14:hiddenFill xmlns:a14="http://schemas.microsoft.com/office/drawing/2010/main">
+                <a:solidFill>
+                  <a:schemeClr val="accent1"/>
+                </a:solidFill>
+              </a14:hiddenFill>
+            </a:ext>
+            <a:ext uri="{91240B29-F687-4F45-9708-019B960494DF}">
+              <a14:hiddenLine xmlns:a14="http://schemas.microsoft.com/office/drawing/2010/main" w="9525">
+                <a:solidFill>
+                  <a:schemeClr val="tx1"/>
+                </a:solidFill>
+                <a:miter lim="800000"/>
+                <a:headEnd/>
+                <a:tailEnd/>
+              </a14:hiddenLine>
+            </a:ext>
+          </a:extLst>
+        </p:spPr>
+      </p:pic>
+      <p:sp>
+        <p:nvSpPr>
+          <p:cNvPr id="7" name="矩形 6"/>
+          <p:cNvSpPr/>
+          <p:nvPr/>
+        </p:nvSpPr>
+        <p:spPr>
+          <a:xfrm>
+            <a:off x="5917348" y="1788792"/>
+            <a:ext cx="4372992" cy="463588"/>
+          </a:xfrm>
+          <a:prstGeom prst="rect">
+            <a:avLst/>
+          </a:prstGeom>
+        </p:spPr>
+        <p:txBody>
+          <a:bodyPr wrap="none">
+            <a:spAutoFit/>
+          </a:bodyPr>
+          <a:lstStyle/>
+          <a:p>
+            <a:pPr indent="457200">
+              <a:lnSpc>
+                <a:spcPct val="150000"/>
+              </a:lnSpc>
+            </a:pPr>
+            <a:r>
+              <a:rPr lang="en-US" altLang="zh-CN" b="1" dirty="0"/>
+              <a:t>(1)Centrality Encoding（</a:t>
+            </a:r>
+            <a:r>
+              <a:rPr lang="zh-CN" altLang="en-US" dirty="0"/>
+              <a:t>中心性编码</a:t>
+            </a:r>
+            <a:r>
+              <a:rPr lang="en-US" altLang="zh-CN" b="1" dirty="0"/>
+              <a:t>）</a:t>
+            </a:r>
+            <a:endParaRPr lang="en-US" altLang="zh-CN" b="1" dirty="0"/>
+          </a:p>
+        </p:txBody>
+      </p:sp>
+      <p:sp>
+        <p:nvSpPr>
+          <p:cNvPr id="13" name="矩形 12"/>
+          <p:cNvSpPr/>
+          <p:nvPr/>
+        </p:nvSpPr>
+        <p:spPr>
+          <a:xfrm>
+            <a:off x="5917348" y="3003729"/>
+            <a:ext cx="3914790" cy="507831"/>
+          </a:xfrm>
+          <a:prstGeom prst="rect">
+            <a:avLst/>
+          </a:prstGeom>
+        </p:spPr>
+        <p:txBody>
+          <a:bodyPr wrap="none">
+            <a:spAutoFit/>
+          </a:bodyPr>
+          <a:lstStyle/>
+          <a:p>
+            <a:pPr indent="457200">
+              <a:lnSpc>
+                <a:spcPct val="150000"/>
+              </a:lnSpc>
+            </a:pPr>
+            <a:r>
+              <a:rPr lang="en-US" altLang="zh-CN" b="1" dirty="0" smtClean="0"/>
+              <a:t>(</a:t>
+            </a:r>
+            <a:r>
+              <a:rPr lang="en-US" altLang="zh-CN" b="1" dirty="0"/>
+              <a:t>2) Spatial Encoding（</a:t>
+            </a:r>
+            <a:r>
+              <a:rPr lang="zh-CN" altLang="en-US" dirty="0"/>
+              <a:t>空间编码</a:t>
+            </a:r>
+            <a:r>
+              <a:rPr lang="en-US" altLang="zh-CN" b="1" dirty="0" smtClean="0"/>
+              <a:t>）</a:t>
+            </a:r>
+            <a:endParaRPr lang="en-US" altLang="zh-CN" b="1" dirty="0"/>
+          </a:p>
+        </p:txBody>
+      </p:sp>
+      <p:pic>
+        <p:nvPicPr>
+          <p:cNvPr id="6149" name="Picture 5"/>
           <p:cNvPicPr>
             <a:picLocks noChangeAspect="1" noChangeArrowheads="1"/>
           </p:cNvPicPr>
@@ -6250,8 +6446,8 @@
         </p:blipFill>
         <p:spPr bwMode="auto">
           <a:xfrm>
-            <a:off x="680720" y="1764035"/>
-            <a:ext cx="5426075" cy="3878263"/>
+            <a:off x="6693478" y="3511560"/>
+            <a:ext cx="2628900" cy="517525"/>
           </a:xfrm>
           <a:prstGeom prst="rect">
             <a:avLst/>
@@ -6281,9 +6477,91 @@
           </a:extLst>
         </p:spPr>
       </p:pic>
+      <p:sp>
+        <p:nvSpPr>
+          <p:cNvPr id="15" name="矩形 14"/>
+          <p:cNvSpPr/>
+          <p:nvPr/>
+        </p:nvSpPr>
+        <p:spPr>
+          <a:xfrm>
+            <a:off x="5917348" y="4199483"/>
+            <a:ext cx="6206186" cy="463588"/>
+          </a:xfrm>
+          <a:prstGeom prst="rect">
+            <a:avLst/>
+          </a:prstGeom>
+        </p:spPr>
+        <p:txBody>
+          <a:bodyPr wrap="none">
+            <a:spAutoFit/>
+          </a:bodyPr>
+          <a:lstStyle/>
+          <a:p>
+            <a:pPr indent="457200">
+              <a:lnSpc>
+                <a:spcPct val="150000"/>
+              </a:lnSpc>
+            </a:pPr>
+            <a:r>
+              <a:rPr lang="en-US" altLang="zh-CN" b="1" dirty="0" smtClean="0">
+                <a:solidFill>
+                  <a:srgbClr val="FF0000"/>
+                </a:solidFill>
+              </a:rPr>
+              <a:t>(3) </a:t>
+            </a:r>
+            <a:r>
+              <a:rPr lang="en-US" altLang="zh-CN" b="1" dirty="0">
+                <a:solidFill>
+                  <a:srgbClr val="FF0000"/>
+                </a:solidFill>
+              </a:rPr>
+              <a:t>Edge Encoding in the </a:t>
+            </a:r>
+            <a:r>
+              <a:rPr lang="en-US" altLang="zh-CN" b="1" dirty="0" smtClean="0">
+                <a:solidFill>
+                  <a:srgbClr val="FF0000"/>
+                </a:solidFill>
+              </a:rPr>
+              <a:t>Attention（</a:t>
+            </a:r>
+            <a:r>
+              <a:rPr lang="zh-CN" altLang="en-US" dirty="0">
+                <a:solidFill>
+                  <a:srgbClr val="FF0000"/>
+                </a:solidFill>
+              </a:rPr>
+              <a:t>注意力中的</a:t>
+            </a:r>
+            <a:r>
+              <a:rPr lang="zh-CN" altLang="en-US" dirty="0" smtClean="0">
+                <a:solidFill>
+                  <a:srgbClr val="FF0000"/>
+                </a:solidFill>
+              </a:rPr>
+              <a:t>边编码</a:t>
+            </a:r>
+            <a:r>
+              <a:rPr lang="en-US" altLang="zh-CN" b="1" dirty="0" smtClean="0">
+                <a:solidFill>
+                  <a:srgbClr val="FF0000"/>
+                </a:solidFill>
+              </a:rPr>
+              <a:t>）</a:t>
+            </a:r>
+            <a:endParaRPr lang="en-US" altLang="zh-CN" b="1" dirty="0">
+              <a:solidFill>
+                <a:srgbClr val="FF0000"/>
+              </a:solidFill>
+            </a:endParaRPr>
+          </a:p>
+        </p:txBody>
+      </p:sp>
       <p:pic>
         <p:nvPicPr>
-          <p:cNvPr id="6148" name="Picture 4"/>
+          <p:cNvPr id="6150" name="Picture 6"/>
           <p:cNvPicPr>
             <a:picLocks noChangeAspect="1" noChangeArrowheads="1"/>
           </p:cNvPicPr>
@@ -6304,8 +6582,8 @@
         </p:blipFill>
         <p:spPr bwMode="auto">
           <a:xfrm>
-            <a:off x="6568624" y="2333647"/>
-            <a:ext cx="3278762" cy="516082"/>
+            <a:off x="6691471" y="4932008"/>
+            <a:ext cx="5219700" cy="549275"/>
           </a:xfrm>
           <a:prstGeom prst="rect">
             <a:avLst/>
@@ -6335,289 +6613,7 @@
           </a:extLst>
         </p:spPr>
       </p:pic>
-      <p:sp>
-        <p:nvSpPr>
-          <p:cNvPr id="7" name="矩形 6"/>
-          <p:cNvSpPr/>
-          <p:nvPr/>
-        </p:nvSpPr>
-        <p:spPr>
-          <a:xfrm>
-            <a:off x="5917348" y="1788792"/>
-            <a:ext cx="4372992" cy="463588"/>
-          </a:xfrm>
-          <a:prstGeom prst="rect">
-            <a:avLst/>
-          </a:prstGeom>
-        </p:spPr>
-        <p:txBody>
-          <a:bodyPr wrap="none">
-            <a:spAutoFit/>
-          </a:bodyPr>
-          <a:lstStyle/>
-          <a:p>
-            <a:pPr indent="457200">
-              <a:lnSpc>
-                <a:spcPct val="150000"/>
-              </a:lnSpc>
-            </a:pPr>
-            <a:r>
-              <a:rPr lang="en-US" altLang="zh-CN" b="1" dirty="0"/>
-              <a:t>(1)Centrality Encoding（</a:t>
-            </a:r>
-            <a:r>
-              <a:rPr lang="zh-CN" altLang="en-US" dirty="0"/>
-              <a:t>中心性编码</a:t>
-            </a:r>
-            <a:r>
-              <a:rPr lang="en-US" altLang="zh-CN" b="1" dirty="0"/>
-              <a:t>）</a:t>
-            </a:r>
-          </a:p>
-        </p:txBody>
-      </p:sp>
-      <p:sp>
-        <p:nvSpPr>
-          <p:cNvPr id="13" name="矩形 12"/>
-          <p:cNvSpPr/>
-          <p:nvPr/>
-        </p:nvSpPr>
-        <p:spPr>
-          <a:xfrm>
-            <a:off x="5917348" y="3003729"/>
-            <a:ext cx="3914790" cy="507831"/>
-          </a:xfrm>
-          <a:prstGeom prst="rect">
-            <a:avLst/>
-          </a:prstGeom>
-        </p:spPr>
-        <p:txBody>
-          <a:bodyPr wrap="none">
-            <a:spAutoFit/>
-          </a:bodyPr>
-          <a:lstStyle/>
-          <a:p>
-            <a:pPr indent="457200">
-              <a:lnSpc>
-                <a:spcPct val="150000"/>
-              </a:lnSpc>
-            </a:pPr>
-            <a:r>
-              <a:rPr lang="en-US" altLang="zh-CN" b="1" dirty="0" smtClean="0"/>
-              <a:t>(</a:t>
-            </a:r>
-            <a:r>
-              <a:rPr lang="en-US" altLang="zh-CN" b="1" dirty="0"/>
-              <a:t>2) Spatial Encoding（</a:t>
-            </a:r>
-            <a:r>
-              <a:rPr lang="zh-CN" altLang="en-US" dirty="0"/>
-              <a:t>空间编码</a:t>
-            </a:r>
-            <a:r>
-              <a:rPr lang="en-US" altLang="zh-CN" b="1" dirty="0" smtClean="0"/>
-              <a:t>）</a:t>
-            </a:r>
-            <a:endParaRPr lang="en-US" altLang="zh-CN" b="1" dirty="0"/>
-          </a:p>
-        </p:txBody>
-      </p:sp>
-      <p:pic>
-        <p:nvPicPr>
-          <p:cNvPr id="6149" name="Picture 5"/>
-          <p:cNvPicPr>
-            <a:picLocks noChangeAspect="1" noChangeArrowheads="1"/>
-          </p:cNvPicPr>
-          <p:nvPr/>
-        </p:nvPicPr>
-        <p:blipFill>
-          <a:blip r:embed="rId7">
-            <a:extLst>
-              <a:ext uri="{28A0092B-C50C-407E-A947-70E740481C1C}">
-                <a14:useLocalDpi xmlns:a14="http://schemas.microsoft.com/office/drawing/2010/main" val="0"/>
-              </a:ext>
-            </a:extLst>
-          </a:blip>
-          <a:srcRect/>
-          <a:stretch>
-            <a:fillRect/>
-          </a:stretch>
-        </p:blipFill>
-        <p:spPr bwMode="auto">
-          <a:xfrm>
-            <a:off x="6693478" y="3511560"/>
-            <a:ext cx="2628900" cy="517525"/>
-          </a:xfrm>
-          <a:prstGeom prst="rect">
-            <a:avLst/>
-          </a:prstGeom>
-          <a:noFill/>
-          <a:ln>
-            <a:noFill/>
-          </a:ln>
-          <a:extLst>
-            <a:ext uri="{909E8E84-426E-40DD-AFC4-6F175D3DCCD1}">
-              <a14:hiddenFill xmlns:a14="http://schemas.microsoft.com/office/drawing/2010/main">
-                <a:solidFill>
-                  <a:schemeClr val="accent1"/>
-                </a:solidFill>
-              </a14:hiddenFill>
-            </a:ext>
-            <a:ext uri="{91240B29-F687-4F45-9708-019B960494DF}">
-              <a14:hiddenLine xmlns:a14="http://schemas.microsoft.com/office/drawing/2010/main" w="9525">
-                <a:solidFill>
-                  <a:schemeClr val="tx1"/>
-                </a:solidFill>
-                <a:miter lim="800000"/>
-                <a:headEnd/>
-                <a:tailEnd/>
-              </a14:hiddenLine>
-            </a:ext>
-          </a:extLst>
-        </p:spPr>
-      </p:pic>
-      <p:sp>
-        <p:nvSpPr>
-          <p:cNvPr id="15" name="矩形 14"/>
-          <p:cNvSpPr/>
-          <p:nvPr/>
-        </p:nvSpPr>
-        <p:spPr>
-          <a:xfrm>
-            <a:off x="5917348" y="4199483"/>
-            <a:ext cx="6206186" cy="463588"/>
-          </a:xfrm>
-          <a:prstGeom prst="rect">
-            <a:avLst/>
-          </a:prstGeom>
-        </p:spPr>
-        <p:txBody>
-          <a:bodyPr wrap="none">
-            <a:spAutoFit/>
-          </a:bodyPr>
-          <a:lstStyle/>
-          <a:p>
-            <a:pPr indent="457200">
-              <a:lnSpc>
-                <a:spcPct val="150000"/>
-              </a:lnSpc>
-            </a:pPr>
-            <a:r>
-              <a:rPr lang="en-US" altLang="zh-CN" b="1" dirty="0" smtClean="0">
-                <a:solidFill>
-                  <a:srgbClr val="FF0000"/>
-                </a:solidFill>
-              </a:rPr>
-              <a:t>(3) </a:t>
-            </a:r>
-            <a:r>
-              <a:rPr lang="en-US" altLang="zh-CN" b="1" dirty="0">
-                <a:solidFill>
-                  <a:srgbClr val="FF0000"/>
-                </a:solidFill>
-              </a:rPr>
-              <a:t>Edge Encoding in the </a:t>
-            </a:r>
-            <a:r>
-              <a:rPr lang="en-US" altLang="zh-CN" b="1" dirty="0" smtClean="0">
-                <a:solidFill>
-                  <a:srgbClr val="FF0000"/>
-                </a:solidFill>
-              </a:rPr>
-              <a:t>Attention（</a:t>
-            </a:r>
-            <a:r>
-              <a:rPr lang="zh-CN" altLang="en-US" dirty="0">
-                <a:solidFill>
-                  <a:srgbClr val="FF0000"/>
-                </a:solidFill>
-              </a:rPr>
-              <a:t>注意力中的</a:t>
-            </a:r>
-            <a:r>
-              <a:rPr lang="zh-CN" altLang="en-US" dirty="0" smtClean="0">
-                <a:solidFill>
-                  <a:srgbClr val="FF0000"/>
-                </a:solidFill>
-              </a:rPr>
-              <a:t>边编码</a:t>
-            </a:r>
-            <a:r>
-              <a:rPr lang="en-US" altLang="zh-CN" b="1" dirty="0" smtClean="0">
-                <a:solidFill>
-                  <a:srgbClr val="FF0000"/>
-                </a:solidFill>
-              </a:rPr>
-              <a:t>）</a:t>
-            </a:r>
-            <a:endParaRPr lang="en-US" altLang="zh-CN" b="1" dirty="0">
-              <a:solidFill>
-                <a:srgbClr val="FF0000"/>
-              </a:solidFill>
-            </a:endParaRPr>
-          </a:p>
-        </p:txBody>
-      </p:sp>
-      <p:pic>
-        <p:nvPicPr>
-          <p:cNvPr id="6150" name="Picture 6"/>
-          <p:cNvPicPr>
-            <a:picLocks noChangeAspect="1" noChangeArrowheads="1"/>
-          </p:cNvPicPr>
-          <p:nvPr/>
-        </p:nvPicPr>
-        <p:blipFill>
-          <a:blip r:embed="rId8">
-            <a:extLst>
-              <a:ext uri="{28A0092B-C50C-407E-A947-70E740481C1C}">
-                <a14:useLocalDpi xmlns:a14="http://schemas.microsoft.com/office/drawing/2010/main" val="0"/>
-              </a:ext>
-            </a:extLst>
-          </a:blip>
-          <a:srcRect/>
-          <a:stretch>
-            <a:fillRect/>
-          </a:stretch>
-        </p:blipFill>
-        <p:spPr bwMode="auto">
-          <a:xfrm>
-            <a:off x="6691471" y="4932008"/>
-            <a:ext cx="5219700" cy="549275"/>
-          </a:xfrm>
-          <a:prstGeom prst="rect">
-            <a:avLst/>
-          </a:prstGeom>
-          <a:noFill/>
-          <a:ln>
-            <a:noFill/>
-          </a:ln>
-          <a:extLst>
-            <a:ext uri="{909E8E84-426E-40DD-AFC4-6F175D3DCCD1}">
-              <a14:hiddenFill xmlns:a14="http://schemas.microsoft.com/office/drawing/2010/main">
-                <a:solidFill>
-                  <a:schemeClr val="accent1"/>
-                </a:solidFill>
-              </a14:hiddenFill>
-            </a:ext>
-            <a:ext uri="{91240B29-F687-4F45-9708-019B960494DF}">
-              <a14:hiddenLine xmlns:a14="http://schemas.microsoft.com/office/drawing/2010/main" w="9525">
-                <a:solidFill>
-                  <a:schemeClr val="tx1"/>
-                </a:solidFill>
-                <a:miter lim="800000"/>
-                <a:headEnd/>
-                <a:tailEnd/>
-              </a14:hiddenLine>
-            </a:ext>
-          </a:extLst>
-        </p:spPr>
-      </p:pic>
     </p:spTree>
-    <p:extLst>
-      <p:ext uri="{BB962C8B-B14F-4D97-AF65-F5344CB8AC3E}">
-        <p14:creationId xmlns:p14="http://schemas.microsoft.com/office/powerpoint/2010/main" val="3590528589"/>
-      </p:ext>
-    </p:extLst>
   </p:cSld>
   <p:clrMapOvr>
     <a:masterClrMapping/>
@@ -6658,7 +6654,7 @@
           <p:nvPr userDrawn="1"/>
         </p:nvPicPr>
         <p:blipFill>
-          <a:blip r:embed="rId3">
+          <a:blip r:embed="rId1">
             <a:clrChange>
               <a:clrFrom>
                 <a:srgbClr val="FFFFFF"/>
@@ -6755,7 +6751,7 @@
           <p:nvPr userDrawn="1"/>
         </p:nvPicPr>
         <p:blipFill>
-          <a:blip r:embed="rId4"/>
+          <a:blip r:embed="rId2"/>
           <a:srcRect l="2008" t="2362" r="2410" b="2078"/>
           <a:stretch>
             <a:fillRect/>
@@ -6827,6 +6823,114 @@
       <p:pic>
         <p:nvPicPr>
           <p:cNvPr id="7170" name="Picture 2"/>
+          <p:cNvPicPr>
+            <a:picLocks noChangeAspect="1" noChangeArrowheads="1"/>
+          </p:cNvPicPr>
+          <p:nvPr/>
+        </p:nvPicPr>
+        <p:blipFill>
+          <a:blip r:embed="rId3">
+            <a:extLst>
+              <a:ext uri="{28A0092B-C50C-407E-A947-70E740481C1C}">
+                <a14:useLocalDpi xmlns:a14="http://schemas.microsoft.com/office/drawing/2010/main" val="0"/>
+              </a:ext>
+            </a:extLst>
+          </a:blip>
+          <a:srcRect/>
+          <a:stretch>
+            <a:fillRect/>
+          </a:stretch>
+        </p:blipFill>
+        <p:spPr bwMode="auto">
+          <a:xfrm>
+            <a:off x="1381998" y="1772357"/>
+            <a:ext cx="4587875" cy="2065337"/>
+          </a:xfrm>
+          <a:prstGeom prst="rect">
+            <a:avLst/>
+          </a:prstGeom>
+          <a:noFill/>
+          <a:ln>
+            <a:noFill/>
+          </a:ln>
+          <a:extLst>
+            <a:ext uri="{909E8E84-426E-40DD-AFC4-6F175D3DCCD1}">
+              <a14:hiddenFill xmlns:a14="http://schemas.microsoft.com/office/drawing/2010/main">
+                <a:solidFill>
+                  <a:schemeClr val="accent1"/>
+                </a:solidFill>
+              </a14:hiddenFill>
+            </a:ext>
+            <a:ext uri="{91240B29-F687-4F45-9708-019B960494DF}">
+              <a14:hiddenLine xmlns:a14="http://schemas.microsoft.com/office/drawing/2010/main" w="9525">
+                <a:solidFill>
+                  <a:schemeClr val="tx1"/>
+                </a:solidFill>
+                <a:miter lim="800000"/>
+                <a:headEnd/>
+                <a:tailEnd/>
+              </a14:hiddenLine>
+            </a:ext>
+          </a:extLst>
+        </p:spPr>
+      </p:pic>
+      <p:pic>
+        <p:nvPicPr>
+          <p:cNvPr id="7171" name="Picture 3"/>
+          <p:cNvPicPr>
+            <a:picLocks noChangeAspect="1" noChangeArrowheads="1"/>
+          </p:cNvPicPr>
+          <p:nvPr/>
+        </p:nvPicPr>
+        <p:blipFill>
+          <a:blip r:embed="rId4">
+            <a:extLst>
+              <a:ext uri="{28A0092B-C50C-407E-A947-70E740481C1C}">
+                <a14:useLocalDpi xmlns:a14="http://schemas.microsoft.com/office/drawing/2010/main" val="0"/>
+              </a:ext>
+            </a:extLst>
+          </a:blip>
+          <a:srcRect/>
+          <a:stretch>
+            <a:fillRect/>
+          </a:stretch>
+        </p:blipFill>
+        <p:spPr bwMode="auto">
+          <a:xfrm>
+            <a:off x="7205407" y="1624650"/>
+            <a:ext cx="3649663" cy="1897063"/>
+          </a:xfrm>
+          <a:prstGeom prst="rect">
+            <a:avLst/>
+          </a:prstGeom>
+          <a:noFill/>
+          <a:ln>
+            <a:noFill/>
+          </a:ln>
+          <a:extLst>
+            <a:ext uri="{909E8E84-426E-40DD-AFC4-6F175D3DCCD1}">
+              <a14:hiddenFill xmlns:a14="http://schemas.microsoft.com/office/drawing/2010/main">
+                <a:solidFill>
+                  <a:schemeClr val="accent1"/>
+                </a:solidFill>
+              </a14:hiddenFill>
+            </a:ext>
+            <a:ext uri="{91240B29-F687-4F45-9708-019B960494DF}">
+              <a14:hiddenLine xmlns:a14="http://schemas.microsoft.com/office/drawing/2010/main" w="9525">
+                <a:solidFill>
+                  <a:schemeClr val="tx1"/>
+                </a:solidFill>
+                <a:miter lim="800000"/>
+                <a:headEnd/>
+                <a:tailEnd/>
+              </a14:hiddenLine>
+            </a:ext>
+          </a:extLst>
+        </p:spPr>
+      </p:pic>
+      <p:pic>
+        <p:nvPicPr>
+          <p:cNvPr id="7172" name="Picture 4"/>
           <p:cNvPicPr>
             <a:picLocks noChangeAspect="1" noChangeArrowheads="1"/>
           </p:cNvPicPr>
@@ -6847,8 +6951,8 @@
         </p:blipFill>
         <p:spPr bwMode="auto">
           <a:xfrm>
-            <a:off x="681593" y="1771722"/>
-            <a:ext cx="4587875" cy="2065337"/>
+            <a:off x="1743948" y="4186568"/>
+            <a:ext cx="3382963" cy="1820863"/>
           </a:xfrm>
           <a:prstGeom prst="rect">
             <a:avLst/>
@@ -6880,7 +6984,7 @@
       </p:pic>
       <p:pic>
         <p:nvPicPr>
-          <p:cNvPr id="7171" name="Picture 3"/>
+          <p:cNvPr id="7173" name="Picture 5"/>
           <p:cNvPicPr>
             <a:picLocks noChangeAspect="1" noChangeArrowheads="1"/>
           </p:cNvPicPr>
@@ -6901,8 +7005,8 @@
         </p:blipFill>
         <p:spPr bwMode="auto">
           <a:xfrm>
-            <a:off x="7205407" y="1624650"/>
-            <a:ext cx="3649663" cy="1897063"/>
+            <a:off x="7205407" y="4186637"/>
+            <a:ext cx="3109913" cy="2255837"/>
           </a:xfrm>
           <a:prstGeom prst="rect">
             <a:avLst/>
@@ -6932,120 +7036,7 @@
           </a:extLst>
         </p:spPr>
       </p:pic>
-      <p:pic>
-        <p:nvPicPr>
-          <p:cNvPr id="7172" name="Picture 4"/>
-          <p:cNvPicPr>
-            <a:picLocks noChangeAspect="1" noChangeArrowheads="1"/>
-          </p:cNvPicPr>
-          <p:nvPr/>
-        </p:nvPicPr>
-        <p:blipFill>
-          <a:blip r:embed="rId7">
-            <a:extLst>
-              <a:ext uri="{28A0092B-C50C-407E-A947-70E740481C1C}">
-                <a14:useLocalDpi xmlns:a14="http://schemas.microsoft.com/office/drawing/2010/main" val="0"/>
-              </a:ext>
-            </a:extLst>
-          </a:blip>
-          <a:srcRect/>
-          <a:stretch>
-            <a:fillRect/>
-          </a:stretch>
-        </p:blipFill>
-        <p:spPr bwMode="auto">
-          <a:xfrm>
-            <a:off x="681593" y="4257053"/>
-            <a:ext cx="3382963" cy="1820863"/>
-          </a:xfrm>
-          <a:prstGeom prst="rect">
-            <a:avLst/>
-          </a:prstGeom>
-          <a:noFill/>
-          <a:ln>
-            <a:noFill/>
-          </a:ln>
-          <a:extLst>
-            <a:ext uri="{909E8E84-426E-40DD-AFC4-6F175D3DCCD1}">
-              <a14:hiddenFill xmlns:a14="http://schemas.microsoft.com/office/drawing/2010/main">
-                <a:solidFill>
-                  <a:schemeClr val="accent1"/>
-                </a:solidFill>
-              </a14:hiddenFill>
-            </a:ext>
-            <a:ext uri="{91240B29-F687-4F45-9708-019B960494DF}">
-              <a14:hiddenLine xmlns:a14="http://schemas.microsoft.com/office/drawing/2010/main" w="9525">
-                <a:solidFill>
-                  <a:schemeClr val="tx1"/>
-                </a:solidFill>
-                <a:miter lim="800000"/>
-                <a:headEnd/>
-                <a:tailEnd/>
-              </a14:hiddenLine>
-            </a:ext>
-          </a:extLst>
-        </p:spPr>
-      </p:pic>
-      <p:pic>
-        <p:nvPicPr>
-          <p:cNvPr id="7173" name="Picture 5"/>
-          <p:cNvPicPr>
-            <a:picLocks noChangeAspect="1" noChangeArrowheads="1"/>
-          </p:cNvPicPr>
-          <p:nvPr/>
-        </p:nvPicPr>
-        <p:blipFill>
-          <a:blip r:embed="rId8">
-            <a:extLst>
-              <a:ext uri="{28A0092B-C50C-407E-A947-70E740481C1C}">
-                <a14:useLocalDpi xmlns:a14="http://schemas.microsoft.com/office/drawing/2010/main" val="0"/>
-              </a:ext>
-            </a:extLst>
-          </a:blip>
-          <a:srcRect/>
-          <a:stretch>
-            <a:fillRect/>
-          </a:stretch>
-        </p:blipFill>
-        <p:spPr bwMode="auto">
-          <a:xfrm>
-            <a:off x="7205407" y="4186637"/>
-            <a:ext cx="3109913" cy="2255837"/>
-          </a:xfrm>
-          <a:prstGeom prst="rect">
-            <a:avLst/>
-          </a:prstGeom>
-          <a:noFill/>
-          <a:ln>
-            <a:noFill/>
-          </a:ln>
-          <a:extLst>
-            <a:ext uri="{909E8E84-426E-40DD-AFC4-6F175D3DCCD1}">
-              <a14:hiddenFill xmlns:a14="http://schemas.microsoft.com/office/drawing/2010/main">
-                <a:solidFill>
-                  <a:schemeClr val="accent1"/>
-                </a:solidFill>
-              </a14:hiddenFill>
-            </a:ext>
-            <a:ext uri="{91240B29-F687-4F45-9708-019B960494DF}">
-              <a14:hiddenLine xmlns:a14="http://schemas.microsoft.com/office/drawing/2010/main" w="9525">
-                <a:solidFill>
-                  <a:schemeClr val="tx1"/>
-                </a:solidFill>
-                <a:miter lim="800000"/>
-                <a:headEnd/>
-                <a:tailEnd/>
-              </a14:hiddenLine>
-            </a:ext>
-          </a:extLst>
-        </p:spPr>
-      </p:pic>
     </p:spTree>
-    <p:extLst>
-      <p:ext uri="{BB962C8B-B14F-4D97-AF65-F5344CB8AC3E}">
-        <p14:creationId xmlns:p14="http://schemas.microsoft.com/office/powerpoint/2010/main" val="519820130"/>
-      </p:ext>
-    </p:extLst>
   </p:cSld>
   <p:clrMapOvr>
     <a:masterClrMapping/>
@@ -7086,7 +7077,7 @@
           <p:nvPr userDrawn="1"/>
         </p:nvPicPr>
         <p:blipFill>
-          <a:blip r:embed="rId7">
+          <a:blip r:embed="rId1">
             <a:clrChange>
               <a:clrFrom>
                 <a:srgbClr val="FFFFFF"/>
@@ -7183,7 +7174,7 @@
           <p:nvPr userDrawn="1"/>
         </p:nvPicPr>
         <p:blipFill>
-          <a:blip r:embed="rId8"/>
+          <a:blip r:embed="rId2"/>
           <a:srcRect l="2008" t="2362" r="2410" b="2078"/>
           <a:stretch>
             <a:fillRect/>
@@ -7244,7 +7235,7 @@
           <p:cNvCxnSpPr/>
           <p:nvPr userDrawn="1">
             <p:custDataLst>
-              <p:tags r:id="rId1"/>
+              <p:tags r:id="rId3"/>
             </p:custDataLst>
           </p:nvPr>
         </p:nvCxnSpPr>
@@ -7285,7 +7276,7 @@
           <p:cNvSpPr/>
           <p:nvPr userDrawn="1">
             <p:custDataLst>
-              <p:tags r:id="rId2"/>
+              <p:tags r:id="rId4"/>
             </p:custDataLst>
           </p:nvPr>
         </p:nvSpPr>
@@ -7345,7 +7336,7 @@
           <p:cNvSpPr txBox="1"/>
           <p:nvPr>
             <p:custDataLst>
-              <p:tags r:id="rId3"/>
+              <p:tags r:id="rId5"/>
             </p:custDataLst>
           </p:nvPr>
         </p:nvSpPr>
@@ -7387,7 +7378,7 @@
           </p:cNvSpPr>
           <p:nvPr userDrawn="1">
             <p:custDataLst>
-              <p:tags r:id="rId4"/>
+              <p:tags r:id="rId6"/>
             </p:custDataLst>
           </p:nvPr>
         </p:nvSpPr>
@@ -7532,15 +7523,17 @@
               </a:rPr>
               <a:t>Thank You</a:t>
             </a:r>
+            <a:endParaRPr lang="en-US" altLang="zh-CN" sz="4000">
+              <a:solidFill>
+                <a:srgbClr val="222A35"/>
+              </a:solidFill>
+              <a:latin typeface="华文楷体" panose="02010600040101010101" charset="-122"/>
+              <a:ea typeface="华文楷体" panose="02010600040101010101" charset="-122"/>
+            </a:endParaRPr>
           </a:p>
         </p:txBody>
       </p:sp>
     </p:spTree>
-    <p:extLst>
-      <p:ext uri="{BB962C8B-B14F-4D97-AF65-F5344CB8AC3E}">
-        <p14:creationId xmlns:p14="http://schemas.microsoft.com/office/powerpoint/2010/main" val="2096940935"/>
-      </p:ext>
-    </p:extLst>
   </p:cSld>
   <p:clrMapOvr>
     <a:masterClrMapping/>
@@ -7581,7 +7574,7 @@
           <p:nvPr userDrawn="1"/>
         </p:nvPicPr>
         <p:blipFill>
-          <a:blip r:embed="rId3">
+          <a:blip r:embed="rId1">
             <a:clrChange>
               <a:clrFrom>
                 <a:srgbClr val="FFFFFF"/>
@@ -7678,7 +7671,7 @@
           <p:nvPr userDrawn="1"/>
         </p:nvPicPr>
         <p:blipFill>
-          <a:blip r:embed="rId4"/>
+          <a:blip r:embed="rId2"/>
           <a:srcRect l="2008" t="2362" r="2410" b="2078"/>
           <a:stretch>
             <a:fillRect/>
@@ -7730,11 +7723,6 @@
         </p:txBody>
       </p:sp>
     </p:spTree>
-    <p:extLst>
-      <p:ext uri="{BB962C8B-B14F-4D97-AF65-F5344CB8AC3E}">
-        <p14:creationId xmlns:p14="http://schemas.microsoft.com/office/powerpoint/2010/main" val="3342742691"/>
-      </p:ext>
-    </p:extLst>
   </p:cSld>
   <p:clrMapOvr>
     <a:masterClrMapping/>
@@ -7775,7 +7763,7 @@
           <p:nvPr userDrawn="1"/>
         </p:nvPicPr>
         <p:blipFill>
-          <a:blip r:embed="rId3">
+          <a:blip r:embed="rId1">
             <a:clrChange>
               <a:clrFrom>
                 <a:srgbClr val="FFFFFF"/>
@@ -7872,7 +7860,7 @@
           <p:nvPr userDrawn="1"/>
         </p:nvPicPr>
         <p:blipFill>
-          <a:blip r:embed="rId4"/>
+          <a:blip r:embed="rId2"/>
           <a:srcRect l="2008" t="2362" r="2410" b="2078"/>
           <a:stretch>
             <a:fillRect/>
@@ -8013,11 +8001,7 @@
           </a:extLst>
         </p:spPr>
         <p:txBody>
-          <a:bodyPr vert="horz" wrap="square" lIns="91440" tIns="45720" rIns="91440" bIns="45720" numCol="1" anchor="t" anchorCtr="0" compatLnSpc="1">
-            <a:prstTxWarp prst="textNoShape">
-              <a:avLst/>
-            </a:prstTxWarp>
-          </a:bodyPr>
+          <a:bodyPr vert="horz" wrap="square" lIns="91440" tIns="45720" rIns="91440" bIns="45720" numCol="1" anchor="t" anchorCtr="0" compatLnSpc="1"/>
           <a:lstStyle/>
           <a:p>
             <a:endParaRPr lang="zh-CN" altLang="en-US"/>
@@ -8052,11 +8036,7 @@
           </a:extLst>
         </p:spPr>
         <p:txBody>
-          <a:bodyPr vert="horz" wrap="square" lIns="91440" tIns="45720" rIns="91440" bIns="45720" numCol="1" anchor="t" anchorCtr="0" compatLnSpc="1">
-            <a:prstTxWarp prst="textNoShape">
-              <a:avLst/>
-            </a:prstTxWarp>
-          </a:bodyPr>
+          <a:bodyPr vert="horz" wrap="square" lIns="91440" tIns="45720" rIns="91440" bIns="45720" numCol="1" anchor="t" anchorCtr="0" compatLnSpc="1"/>
           <a:lstStyle/>
           <a:p>
             <a:endParaRPr lang="zh-CN" altLang="en-US"/>
@@ -8091,11 +8071,7 @@
           </a:extLst>
         </p:spPr>
         <p:txBody>
-          <a:bodyPr vert="horz" wrap="square" lIns="91440" tIns="45720" rIns="91440" bIns="45720" numCol="1" anchor="t" anchorCtr="0" compatLnSpc="1">
-            <a:prstTxWarp prst="textNoShape">
-              <a:avLst/>
-            </a:prstTxWarp>
-          </a:bodyPr>
+          <a:bodyPr vert="horz" wrap="square" lIns="91440" tIns="45720" rIns="91440" bIns="45720" numCol="1" anchor="t" anchorCtr="0" compatLnSpc="1"/>
           <a:lstStyle/>
           <a:p>
             <a:endParaRPr lang="zh-CN" altLang="en-US"/>
@@ -8130,11 +8106,7 @@
           </a:extLst>
         </p:spPr>
         <p:txBody>
-          <a:bodyPr vert="horz" wrap="square" lIns="91440" tIns="45720" rIns="91440" bIns="45720" numCol="1" anchor="t" anchorCtr="0" compatLnSpc="1">
-            <a:prstTxWarp prst="textNoShape">
-              <a:avLst/>
-            </a:prstTxWarp>
-          </a:bodyPr>
+          <a:bodyPr vert="horz" wrap="square" lIns="91440" tIns="45720" rIns="91440" bIns="45720" numCol="1" anchor="t" anchorCtr="0" compatLnSpc="1"/>
           <a:lstStyle/>
           <a:p>
             <a:endParaRPr lang="zh-CN" altLang="en-US"/>
@@ -8169,11 +8141,7 @@
           </a:extLst>
         </p:spPr>
         <p:txBody>
-          <a:bodyPr vert="horz" wrap="square" lIns="91440" tIns="45720" rIns="91440" bIns="45720" numCol="1" anchor="t" anchorCtr="0" compatLnSpc="1">
-            <a:prstTxWarp prst="textNoShape">
-              <a:avLst/>
-            </a:prstTxWarp>
-          </a:bodyPr>
+          <a:bodyPr vert="horz" wrap="square" lIns="91440" tIns="45720" rIns="91440" bIns="45720" numCol="1" anchor="t" anchorCtr="0" compatLnSpc="1"/>
           <a:lstStyle/>
           <a:p>
             <a:endParaRPr lang="zh-CN" altLang="en-US"/>
@@ -8208,11 +8176,7 @@
           </a:extLst>
         </p:spPr>
         <p:txBody>
-          <a:bodyPr vert="horz" wrap="square" lIns="91440" tIns="45720" rIns="91440" bIns="45720" numCol="1" anchor="t" anchorCtr="0" compatLnSpc="1">
-            <a:prstTxWarp prst="textNoShape">
-              <a:avLst/>
-            </a:prstTxWarp>
-          </a:bodyPr>
+          <a:bodyPr vert="horz" wrap="square" lIns="91440" tIns="45720" rIns="91440" bIns="45720" numCol="1" anchor="t" anchorCtr="0" compatLnSpc="1"/>
           <a:lstStyle/>
           <a:p>
             <a:endParaRPr lang="zh-CN" altLang="en-US"/>
@@ -8247,11 +8211,7 @@
           </a:extLst>
         </p:spPr>
         <p:txBody>
-          <a:bodyPr vert="horz" wrap="square" lIns="91440" tIns="45720" rIns="91440" bIns="45720" numCol="1" anchor="t" anchorCtr="0" compatLnSpc="1">
-            <a:prstTxWarp prst="textNoShape">
-              <a:avLst/>
-            </a:prstTxWarp>
-          </a:bodyPr>
+          <a:bodyPr vert="horz" wrap="square" lIns="91440" tIns="45720" rIns="91440" bIns="45720" numCol="1" anchor="t" anchorCtr="0" compatLnSpc="1"/>
           <a:lstStyle/>
           <a:p>
             <a:endParaRPr lang="zh-CN" altLang="en-US"/>
@@ -8261,6 +8221,66 @@
       <p:pic>
         <p:nvPicPr>
           <p:cNvPr id="13" name="图片 12"/>
+          <p:cNvPicPr>
+            <a:picLocks noChangeAspect="1"/>
+          </p:cNvPicPr>
+          <p:nvPr/>
+        </p:nvPicPr>
+        <p:blipFill>
+          <a:blip r:embed="rId3" cstate="print">
+            <a:extLst>
+              <a:ext uri="{28A0092B-C50C-407E-A947-70E740481C1C}">
+                <a14:useLocalDpi xmlns:a14="http://schemas.microsoft.com/office/drawing/2010/main" val="0"/>
+              </a:ext>
+            </a:extLst>
+          </a:blip>
+          <a:stretch>
+            <a:fillRect/>
+          </a:stretch>
+        </p:blipFill>
+        <p:spPr>
+          <a:xfrm>
+            <a:off x="717506" y="4354591"/>
+            <a:ext cx="2271556" cy="2225466"/>
+          </a:xfrm>
+          <a:prstGeom prst="rect">
+            <a:avLst/>
+          </a:prstGeom>
+        </p:spPr>
+      </p:pic>
+      <p:pic>
+        <p:nvPicPr>
+          <p:cNvPr id="14" name="图片 13"/>
+          <p:cNvPicPr>
+            <a:picLocks noChangeAspect="1"/>
+          </p:cNvPicPr>
+          <p:nvPr/>
+        </p:nvPicPr>
+        <p:blipFill>
+          <a:blip r:embed="rId4" cstate="print">
+            <a:extLst>
+              <a:ext uri="{28A0092B-C50C-407E-A947-70E740481C1C}">
+                <a14:useLocalDpi xmlns:a14="http://schemas.microsoft.com/office/drawing/2010/main" val="0"/>
+              </a:ext>
+            </a:extLst>
+          </a:blip>
+          <a:stretch>
+            <a:fillRect/>
+          </a:stretch>
+        </p:blipFill>
+        <p:spPr>
+          <a:xfrm>
+            <a:off x="4495799" y="4354591"/>
+            <a:ext cx="2341684" cy="2341684"/>
+          </a:xfrm>
+          <a:prstGeom prst="rect">
+            <a:avLst/>
+          </a:prstGeom>
+        </p:spPr>
+      </p:pic>
+      <p:pic>
+        <p:nvPicPr>
+          <p:cNvPr id="15" name="图片 14"/>
           <p:cNvPicPr>
             <a:picLocks noChangeAspect="1"/>
           </p:cNvPicPr>
@@ -8280,66 +8300,6 @@
         </p:blipFill>
         <p:spPr>
           <a:xfrm>
-            <a:off x="717506" y="4354591"/>
-            <a:ext cx="2271556" cy="2225466"/>
-          </a:xfrm>
-          <a:prstGeom prst="rect">
-            <a:avLst/>
-          </a:prstGeom>
-        </p:spPr>
-      </p:pic>
-      <p:pic>
-        <p:nvPicPr>
-          <p:cNvPr id="14" name="图片 13"/>
-          <p:cNvPicPr>
-            <a:picLocks noChangeAspect="1"/>
-          </p:cNvPicPr>
-          <p:nvPr/>
-        </p:nvPicPr>
-        <p:blipFill>
-          <a:blip r:embed="rId6" cstate="print">
-            <a:extLst>
-              <a:ext uri="{28A0092B-C50C-407E-A947-70E740481C1C}">
-                <a14:useLocalDpi xmlns:a14="http://schemas.microsoft.com/office/drawing/2010/main" val="0"/>
-              </a:ext>
-            </a:extLst>
-          </a:blip>
-          <a:stretch>
-            <a:fillRect/>
-          </a:stretch>
-        </p:blipFill>
-        <p:spPr>
-          <a:xfrm>
-            <a:off x="4495799" y="4354591"/>
-            <a:ext cx="2341684" cy="2341684"/>
-          </a:xfrm>
-          <a:prstGeom prst="rect">
-            <a:avLst/>
-          </a:prstGeom>
-        </p:spPr>
-      </p:pic>
-      <p:pic>
-        <p:nvPicPr>
-          <p:cNvPr id="15" name="图片 14"/>
-          <p:cNvPicPr>
-            <a:picLocks noChangeAspect="1"/>
-          </p:cNvPicPr>
-          <p:nvPr/>
-        </p:nvPicPr>
-        <p:blipFill>
-          <a:blip r:embed="rId7" cstate="print">
-            <a:extLst>
-              <a:ext uri="{28A0092B-C50C-407E-A947-70E740481C1C}">
-                <a14:useLocalDpi xmlns:a14="http://schemas.microsoft.com/office/drawing/2010/main" val="0"/>
-              </a:ext>
-            </a:extLst>
-          </a:blip>
-          <a:stretch>
-            <a:fillRect/>
-          </a:stretch>
-        </p:blipFill>
-        <p:spPr>
-          <a:xfrm>
             <a:off x="9114499" y="3910509"/>
             <a:ext cx="1859499" cy="2785766"/>
           </a:xfrm>
@@ -8433,11 +8393,6 @@
         </p:txBody>
       </p:sp>
     </p:spTree>
-    <p:extLst>
-      <p:ext uri="{BB962C8B-B14F-4D97-AF65-F5344CB8AC3E}">
-        <p14:creationId xmlns:p14="http://schemas.microsoft.com/office/powerpoint/2010/main" val="3113655207"/>
-      </p:ext>
-    </p:extLst>
   </p:cSld>
   <p:clrMapOvr>
     <a:masterClrMapping/>
@@ -8478,7 +8433,7 @@
           <p:nvPr userDrawn="1"/>
         </p:nvPicPr>
         <p:blipFill>
-          <a:blip r:embed="rId3">
+          <a:blip r:embed="rId1">
             <a:clrChange>
               <a:clrFrom>
                 <a:srgbClr val="FFFFFF"/>
@@ -8575,7 +8530,7 @@
           <p:nvPr userDrawn="1"/>
         </p:nvPicPr>
         <p:blipFill>
-          <a:blip r:embed="rId4"/>
+          <a:blip r:embed="rId2"/>
           <a:srcRect l="2008" t="2362" r="2410" b="2078"/>
           <a:stretch>
             <a:fillRect/>
@@ -8749,11 +8704,6 @@
         </p:txBody>
       </p:sp>
     </p:spTree>
-    <p:extLst>
-      <p:ext uri="{BB962C8B-B14F-4D97-AF65-F5344CB8AC3E}">
-        <p14:creationId xmlns:p14="http://schemas.microsoft.com/office/powerpoint/2010/main" val="3926966296"/>
-      </p:ext>
-    </p:extLst>
   </p:cSld>
   <p:clrMapOvr>
     <a:masterClrMapping/>
@@ -8794,7 +8744,7 @@
           <p:nvPr userDrawn="1"/>
         </p:nvPicPr>
         <p:blipFill>
-          <a:blip r:embed="rId3">
+          <a:blip r:embed="rId1">
             <a:clrChange>
               <a:clrFrom>
                 <a:srgbClr val="FFFFFF"/>
@@ -8891,7 +8841,7 @@
           <p:nvPr userDrawn="1"/>
         </p:nvPicPr>
         <p:blipFill>
-          <a:blip r:embed="rId4"/>
+          <a:blip r:embed="rId2"/>
           <a:srcRect l="2008" t="2362" r="2410" b="2078"/>
           <a:stretch>
             <a:fillRect/>
@@ -8942,6 +8892,7 @@
               <a:rPr lang="zh-CN" altLang="en-US" b="1" dirty="0" smtClean="0"/>
               <a:t>机器学习方法：</a:t>
             </a:r>
+            <a:endParaRPr lang="zh-CN" altLang="en-US" b="1" dirty="0" smtClean="0"/>
           </a:p>
           <a:p>
             <a:pPr indent="457200">
@@ -9153,6 +9104,7 @@
               <a:rPr lang="en-US" altLang="zh-CN" dirty="0" smtClean="0"/>
               <a:t>……</a:t>
             </a:r>
+            <a:endParaRPr lang="en-US" altLang="zh-CN" dirty="0" smtClean="0"/>
           </a:p>
         </p:txBody>
       </p:sp>
@@ -9191,11 +9143,6 @@
         </p:txBody>
       </p:sp>
     </p:spTree>
-    <p:extLst>
-      <p:ext uri="{BB962C8B-B14F-4D97-AF65-F5344CB8AC3E}">
-        <p14:creationId xmlns:p14="http://schemas.microsoft.com/office/powerpoint/2010/main" val="1178008465"/>
-      </p:ext>
-    </p:extLst>
   </p:cSld>
   <p:clrMapOvr>
     <a:masterClrMapping/>
@@ -9236,7 +9183,7 @@
           <p:nvPr userDrawn="1"/>
         </p:nvPicPr>
         <p:blipFill>
-          <a:blip r:embed="rId3">
+          <a:blip r:embed="rId1">
             <a:clrChange>
               <a:clrFrom>
                 <a:srgbClr val="FFFFFF"/>
@@ -9333,7 +9280,7 @@
           <p:nvPr userDrawn="1"/>
         </p:nvPicPr>
         <p:blipFill>
-          <a:blip r:embed="rId4"/>
+          <a:blip r:embed="rId2"/>
           <a:srcRect l="2008" t="2362" r="2410" b="2078"/>
           <a:stretch>
             <a:fillRect/>
@@ -9388,6 +9335,7 @@
               <a:rPr lang="zh-CN" altLang="en-US" b="1" dirty="0" smtClean="0"/>
               <a:t>学习方法：</a:t>
             </a:r>
+            <a:endParaRPr lang="zh-CN" altLang="en-US" b="1" dirty="0" smtClean="0"/>
           </a:p>
           <a:p>
             <a:pPr indent="457200">
@@ -9518,11 +9466,6 @@
         </p:txBody>
       </p:sp>
     </p:spTree>
-    <p:extLst>
-      <p:ext uri="{BB962C8B-B14F-4D97-AF65-F5344CB8AC3E}">
-        <p14:creationId xmlns:p14="http://schemas.microsoft.com/office/powerpoint/2010/main" val="3372420810"/>
-      </p:ext>
-    </p:extLst>
   </p:cSld>
   <p:clrMapOvr>
     <a:masterClrMapping/>
@@ -9563,7 +9506,7 @@
           <p:nvPr userDrawn="1"/>
         </p:nvPicPr>
         <p:blipFill>
-          <a:blip r:embed="rId3">
+          <a:blip r:embed="rId1">
             <a:clrChange>
               <a:clrFrom>
                 <a:srgbClr val="FFFFFF"/>
@@ -9660,7 +9603,7 @@
           <p:nvPr userDrawn="1"/>
         </p:nvPicPr>
         <p:blipFill>
-          <a:blip r:embed="rId4"/>
+          <a:blip r:embed="rId2"/>
           <a:srcRect l="2008" t="2362" r="2410" b="2078"/>
           <a:stretch>
             <a:fillRect/>
@@ -9719,7 +9662,7 @@
           <p:nvPr/>
         </p:nvPicPr>
         <p:blipFill>
-          <a:blip r:embed="rId5">
+          <a:blip r:embed="rId3">
             <a:extLst>
               <a:ext uri="{28A0092B-C50C-407E-A947-70E740481C1C}">
                 <a14:useLocalDpi xmlns:a14="http://schemas.microsoft.com/office/drawing/2010/main" val="0"/>
@@ -9765,11 +9708,6 @@
         </p:spPr>
       </p:pic>
     </p:spTree>
-    <p:extLst>
-      <p:ext uri="{BB962C8B-B14F-4D97-AF65-F5344CB8AC3E}">
-        <p14:creationId xmlns:p14="http://schemas.microsoft.com/office/powerpoint/2010/main" val="2885853874"/>
-      </p:ext>
-    </p:extLst>
   </p:cSld>
   <p:clrMapOvr>
     <a:masterClrMapping/>
@@ -9810,7 +9748,7 @@
           <p:nvPr userDrawn="1"/>
         </p:nvPicPr>
         <p:blipFill>
-          <a:blip r:embed="rId3">
+          <a:blip r:embed="rId1">
             <a:clrChange>
               <a:clrFrom>
                 <a:srgbClr val="FFFFFF"/>
@@ -9907,7 +9845,7 @@
           <p:nvPr userDrawn="1"/>
         </p:nvPicPr>
         <p:blipFill>
-          <a:blip r:embed="rId4"/>
+          <a:blip r:embed="rId2"/>
           <a:srcRect l="2008" t="2362" r="2410" b="2078"/>
           <a:stretch>
             <a:fillRect/>
@@ -9936,7 +9874,7 @@
           <p:nvPr/>
         </p:nvPicPr>
         <p:blipFill>
-          <a:blip r:embed="rId5">
+          <a:blip r:embed="rId3">
             <a:extLst>
               <a:ext uri="{28A0092B-C50C-407E-A947-70E740481C1C}">
                 <a14:useLocalDpi xmlns:a14="http://schemas.microsoft.com/office/drawing/2010/main" val="0"/>
@@ -10010,15 +9948,11 @@
               <a:rPr lang="zh-CN" altLang="en-US" sz="2400" b="1" dirty="0"/>
               <a:t>真的对图形表示表现不佳吗？</a:t>
             </a:r>
+            <a:endParaRPr lang="zh-CN" altLang="en-US" sz="2400" b="1" dirty="0"/>
           </a:p>
         </p:txBody>
       </p:sp>
     </p:spTree>
-    <p:extLst>
-      <p:ext uri="{BB962C8B-B14F-4D97-AF65-F5344CB8AC3E}">
-        <p14:creationId xmlns:p14="http://schemas.microsoft.com/office/powerpoint/2010/main" val="2051256979"/>
-      </p:ext>
-    </p:extLst>
   </p:cSld>
   <p:clrMapOvr>
     <a:masterClrMapping/>
@@ -10059,7 +9993,7 @@
           <p:nvPr userDrawn="1"/>
         </p:nvPicPr>
         <p:blipFill>
-          <a:blip r:embed="rId3">
+          <a:blip r:embed="rId1">
             <a:clrChange>
               <a:clrFrom>
                 <a:srgbClr val="FFFFFF"/>
@@ -10156,7 +10090,7 @@
           <p:nvPr userDrawn="1"/>
         </p:nvPicPr>
         <p:blipFill>
-          <a:blip r:embed="rId4"/>
+          <a:blip r:embed="rId2"/>
           <a:srcRect l="2008" t="2362" r="2410" b="2078"/>
           <a:stretch>
             <a:fillRect/>
@@ -10330,11 +10264,6 @@
         </p:txBody>
       </p:sp>
     </p:spTree>
-    <p:extLst>
-      <p:ext uri="{BB962C8B-B14F-4D97-AF65-F5344CB8AC3E}">
-        <p14:creationId xmlns:p14="http://schemas.microsoft.com/office/powerpoint/2010/main" val="3467082635"/>
-      </p:ext>
-    </p:extLst>
   </p:cSld>
   <p:clrMapOvr>
     <a:masterClrMapping/>
@@ -10350,39 +10279,40 @@
 </file>
 
 <file path=ppt/tags/tag1.xml><?xml version="1.0" encoding="utf-8"?>
-<p:tagLst xmlns:a="http://schemas.openxmlformats.org/drawingml/2006/main" xmlns:r="http://schemas.openxmlformats.org/officeDocument/2006/relationships" xmlns:p="http://schemas.openxmlformats.org/presentationml/2006/main">
-  <p:tag name="COMMONDATA" val="eyJoZGlkIjoiZjk1YWE0M2M0MWI2M2RmMzQ2ZjI4YTIwZDhmMTIzMzYifQ=="/>
-  <p:tag name="KSO_WPP_MARK_KEY" val="38420355-bf65-4265-9ae7-68038b35d3d5"/>
+<p:tagLst xmlns:p="http://schemas.openxmlformats.org/presentationml/2006/main">
+  <p:tag name="KSO_WM_BEAUTIFY_FLAG" val=""/>
 </p:tagLst>
 </file>
 
 <file path=ppt/tags/tag2.xml><?xml version="1.0" encoding="utf-8"?>
-<p:tagLst xmlns:a="http://schemas.openxmlformats.org/drawingml/2006/main" xmlns:r="http://schemas.openxmlformats.org/officeDocument/2006/relationships" xmlns:p="http://schemas.openxmlformats.org/presentationml/2006/main">
+<p:tagLst xmlns:p="http://schemas.openxmlformats.org/presentationml/2006/main">
   <p:tag name="KSO_WM_BEAUTIFY_FLAG" val=""/>
 </p:tagLst>
 </file>
 
 <file path=ppt/tags/tag3.xml><?xml version="1.0" encoding="utf-8"?>
-<p:tagLst xmlns:a="http://schemas.openxmlformats.org/drawingml/2006/main" xmlns:r="http://schemas.openxmlformats.org/officeDocument/2006/relationships" xmlns:p="http://schemas.openxmlformats.org/presentationml/2006/main">
+<p:tagLst xmlns:p="http://schemas.openxmlformats.org/presentationml/2006/main">
   <p:tag name="KSO_WM_BEAUTIFY_FLAG" val=""/>
 </p:tagLst>
 </file>
 
 <file path=ppt/tags/tag4.xml><?xml version="1.0" encoding="utf-8"?>
-<p:tagLst xmlns:a="http://schemas.openxmlformats.org/drawingml/2006/main" xmlns:r="http://schemas.openxmlformats.org/officeDocument/2006/relationships" xmlns:p="http://schemas.openxmlformats.org/presentationml/2006/main">
+<p:tagLst xmlns:p="http://schemas.openxmlformats.org/presentationml/2006/main">
   <p:tag name="KSO_WM_BEAUTIFY_FLAG" val=""/>
 </p:tagLst>
 </file>
 
 <file path=ppt/tags/tag5.xml><?xml version="1.0" encoding="utf-8"?>
-<p:tagLst xmlns:a="http://schemas.openxmlformats.org/drawingml/2006/main" xmlns:r="http://schemas.openxmlformats.org/officeDocument/2006/relationships" xmlns:p="http://schemas.openxmlformats.org/presentationml/2006/main">
+<p:tagLst xmlns:p="http://schemas.openxmlformats.org/presentationml/2006/main">
   <p:tag name="KSO_WM_BEAUTIFY_FLAG" val=""/>
 </p:tagLst>
 </file>
 
 <file path=ppt/tags/tag6.xml><?xml version="1.0" encoding="utf-8"?>
-<p:tagLst xmlns:a="http://schemas.openxmlformats.org/drawingml/2006/main" xmlns:r="http://schemas.openxmlformats.org/officeDocument/2006/relationships" xmlns:p="http://schemas.openxmlformats.org/presentationml/2006/main">
-  <p:tag name="KSO_WM_BEAUTIFY_FLAG" val=""/>
+<p:tagLst xmlns:p="http://schemas.openxmlformats.org/presentationml/2006/main">
+  <p:tag name="COMMONDATA" val="eyJoZGlkIjoiZjk1YWE0M2M0MWI2M2RmMzQ2ZjI4YTIwZDhmMTIzMzYifQ=="/>
+  <p:tag name="KSO_WPP_MARK_KEY" val="38420355-bf65-4265-9ae7-68038b35d3d5"/>
+  <p:tag name="commondata" val="eyJoZGlkIjoiZTAyM2Y3NGE0OTcxNzNjNTBmNGE2OTI4ZWM0NjcwYzAifQ=="/>
 </p:tagLst>
 </file>
 
@@ -10637,11 +10567,9 @@
       </a:bgFillStyleLst>
     </a:fmtScheme>
   </a:themeElements>
-  <a:objectDefaults/>
-  <a:extraClrSchemeLst/>
   <a:extLst>
     <a:ext uri="{05A4C25C-085E-4340-85A3-A5531E510DB2}">
-      <thm15:themeFamily xmlns="" xmlns:thm15="http://schemas.microsoft.com/office/thememl/2012/main" name="Office Theme" id="{62F939B6-93AF-4DB8-9C6B-D6C7DFDC589F}" vid="{4A3C46E8-61CC-4603-A589-7422A47A8E4A}"/>
+      <thm15:themeFamily xmlns:thm15="http://schemas.microsoft.com/office/thememl/2012/main" name="Office Theme" id="{62F939B6-93AF-4DB8-9C6B-D6C7DFDC589F}" vid="{4A3C46E8-61CC-4603-A589-7422A47A8E4A}"/>
     </a:ext>
   </a:extLst>
 </a:theme>
@@ -10898,11 +10826,9 @@
       </a:bgFillStyleLst>
     </a:fmtScheme>
   </a:themeElements>
-  <a:objectDefaults/>
-  <a:extraClrSchemeLst/>
   <a:extLst>
     <a:ext uri="{05A4C25C-085E-4340-85A3-A5531E510DB2}">
-      <thm15:themeFamily xmlns="" xmlns:thm15="http://schemas.microsoft.com/office/thememl/2012/main" name="Office Theme" id="{62F939B6-93AF-4DB8-9C6B-D6C7DFDC589F}" vid="{4A3C46E8-61CC-4603-A589-7422A47A8E4A}"/>
+      <thm15:themeFamily xmlns:thm15="http://schemas.microsoft.com/office/thememl/2012/main" name="Office Theme" id="{62F939B6-93AF-4DB8-9C6B-D6C7DFDC589F}" vid="{4A3C46E8-61CC-4603-A589-7422A47A8E4A}"/>
     </a:ext>
   </a:extLst>
 </a:theme>
@@ -11188,7 +11114,10 @@
       </a:bgFillStyleLst>
     </a:fmtScheme>
   </a:themeElements>
-  <a:objectDefaults/>
-  <a:extraClrSchemeLst/>
+  <a:extLst>
+    <a:ext uri="{05A4C25C-085E-4340-85A3-A5531E510DB2}">
+      <thm15:themeFamily xmlns:thm15="http://schemas.microsoft.com/office/thememl/2012/main" name="Office Theme" id="{62F939B6-93AF-4DB8-9C6B-D6C7DFDC589F}" vid="{4A3C46E8-61CC-4603-A589-7422A47A8E4A}"/>
+    </a:ext>
+  </a:extLst>
 </a:theme>
 </file>